--- a/Document/CatWantSushi/CatWantSushi.pptx
+++ b/Document/CatWantSushi/CatWantSushi.pptx
@@ -10,10 +10,7 @@
     <p:sldId id="260" r:id="rId4"/>
     <p:sldId id="263" r:id="rId5"/>
     <p:sldId id="264" r:id="rId6"/>
-    <p:sldId id="262" r:id="rId7"/>
-    <p:sldId id="261" r:id="rId8"/>
-    <p:sldId id="259" r:id="rId9"/>
-    <p:sldId id="257" r:id="rId10"/>
+    <p:sldId id="257" r:id="rId7"/>
   </p:sldIdLst>
   <p:sldSz cx="12192000" cy="6858000"/>
   <p:notesSz cx="6858000" cy="9144000"/>
@@ -249,7 +246,7 @@
           <a:p>
             <a:fld id="{E15B79D6-79B1-4CC8-A3E6-4BDC2E4555B6}" type="datetimeFigureOut">
               <a:rPr lang="ko-KR" altLang="en-US" smtClean="0"/>
-              <a:t>2020-08-18-Tue</a:t>
+              <a:t>2020-08-19-Wed</a:t>
             </a:fld>
             <a:endParaRPr lang="ko-KR" altLang="en-US"/>
           </a:p>
@@ -417,7 +414,7 @@
           <a:p>
             <a:fld id="{E15B79D6-79B1-4CC8-A3E6-4BDC2E4555B6}" type="datetimeFigureOut">
               <a:rPr lang="ko-KR" altLang="en-US" smtClean="0"/>
-              <a:t>2020-08-18-Tue</a:t>
+              <a:t>2020-08-19-Wed</a:t>
             </a:fld>
             <a:endParaRPr lang="ko-KR" altLang="en-US"/>
           </a:p>
@@ -595,7 +592,7 @@
           <a:p>
             <a:fld id="{E15B79D6-79B1-4CC8-A3E6-4BDC2E4555B6}" type="datetimeFigureOut">
               <a:rPr lang="ko-KR" altLang="en-US" smtClean="0"/>
-              <a:t>2020-08-18-Tue</a:t>
+              <a:t>2020-08-19-Wed</a:t>
             </a:fld>
             <a:endParaRPr lang="ko-KR" altLang="en-US"/>
           </a:p>
@@ -763,7 +760,7 @@
           <a:p>
             <a:fld id="{E15B79D6-79B1-4CC8-A3E6-4BDC2E4555B6}" type="datetimeFigureOut">
               <a:rPr lang="ko-KR" altLang="en-US" smtClean="0"/>
-              <a:t>2020-08-18-Tue</a:t>
+              <a:t>2020-08-19-Wed</a:t>
             </a:fld>
             <a:endParaRPr lang="ko-KR" altLang="en-US"/>
           </a:p>
@@ -1008,7 +1005,7 @@
           <a:p>
             <a:fld id="{E15B79D6-79B1-4CC8-A3E6-4BDC2E4555B6}" type="datetimeFigureOut">
               <a:rPr lang="ko-KR" altLang="en-US" smtClean="0"/>
-              <a:t>2020-08-18-Tue</a:t>
+              <a:t>2020-08-19-Wed</a:t>
             </a:fld>
             <a:endParaRPr lang="ko-KR" altLang="en-US"/>
           </a:p>
@@ -1237,7 +1234,7 @@
           <a:p>
             <a:fld id="{E15B79D6-79B1-4CC8-A3E6-4BDC2E4555B6}" type="datetimeFigureOut">
               <a:rPr lang="ko-KR" altLang="en-US" smtClean="0"/>
-              <a:t>2020-08-18-Tue</a:t>
+              <a:t>2020-08-19-Wed</a:t>
             </a:fld>
             <a:endParaRPr lang="ko-KR" altLang="en-US"/>
           </a:p>
@@ -1601,7 +1598,7 @@
           <a:p>
             <a:fld id="{E15B79D6-79B1-4CC8-A3E6-4BDC2E4555B6}" type="datetimeFigureOut">
               <a:rPr lang="ko-KR" altLang="en-US" smtClean="0"/>
-              <a:t>2020-08-18-Tue</a:t>
+              <a:t>2020-08-19-Wed</a:t>
             </a:fld>
             <a:endParaRPr lang="ko-KR" altLang="en-US"/>
           </a:p>
@@ -1718,7 +1715,7 @@
           <a:p>
             <a:fld id="{E15B79D6-79B1-4CC8-A3E6-4BDC2E4555B6}" type="datetimeFigureOut">
               <a:rPr lang="ko-KR" altLang="en-US" smtClean="0"/>
-              <a:t>2020-08-18-Tue</a:t>
+              <a:t>2020-08-19-Wed</a:t>
             </a:fld>
             <a:endParaRPr lang="ko-KR" altLang="en-US"/>
           </a:p>
@@ -1813,7 +1810,7 @@
           <a:p>
             <a:fld id="{E15B79D6-79B1-4CC8-A3E6-4BDC2E4555B6}" type="datetimeFigureOut">
               <a:rPr lang="ko-KR" altLang="en-US" smtClean="0"/>
-              <a:t>2020-08-18-Tue</a:t>
+              <a:t>2020-08-19-Wed</a:t>
             </a:fld>
             <a:endParaRPr lang="ko-KR" altLang="en-US"/>
           </a:p>
@@ -2088,7 +2085,7 @@
           <a:p>
             <a:fld id="{E15B79D6-79B1-4CC8-A3E6-4BDC2E4555B6}" type="datetimeFigureOut">
               <a:rPr lang="ko-KR" altLang="en-US" smtClean="0"/>
-              <a:t>2020-08-18-Tue</a:t>
+              <a:t>2020-08-19-Wed</a:t>
             </a:fld>
             <a:endParaRPr lang="ko-KR" altLang="en-US"/>
           </a:p>
@@ -2340,7 +2337,7 @@
           <a:p>
             <a:fld id="{E15B79D6-79B1-4CC8-A3E6-4BDC2E4555B6}" type="datetimeFigureOut">
               <a:rPr lang="ko-KR" altLang="en-US" smtClean="0"/>
-              <a:t>2020-08-18-Tue</a:t>
+              <a:t>2020-08-19-Wed</a:t>
             </a:fld>
             <a:endParaRPr lang="ko-KR" altLang="en-US"/>
           </a:p>
@@ -2551,7 +2548,7 @@
           <a:p>
             <a:fld id="{E15B79D6-79B1-4CC8-A3E6-4BDC2E4555B6}" type="datetimeFigureOut">
               <a:rPr lang="ko-KR" altLang="en-US" smtClean="0"/>
-              <a:t>2020-08-18-Tue</a:t>
+              <a:t>2020-08-19-Wed</a:t>
             </a:fld>
             <a:endParaRPr lang="ko-KR" altLang="en-US"/>
           </a:p>
@@ -4144,7 +4141,7 @@
         </p:nvSpPr>
         <p:spPr>
           <a:xfrm>
-            <a:off x="1538662" y="3042896"/>
+            <a:off x="1538662" y="2940276"/>
             <a:ext cx="1854199" cy="584200"/>
           </a:xfrm>
           <a:prstGeom prst="roundRect">
@@ -4939,8 +4936,8 @@
         </p:nvCxnSpPr>
         <p:spPr>
           <a:xfrm>
-            <a:off x="3392861" y="3334996"/>
-            <a:ext cx="252835" cy="584200"/>
+            <a:off x="3392861" y="3232376"/>
+            <a:ext cx="252835" cy="686820"/>
           </a:xfrm>
           <a:prstGeom prst="straightConnector1">
             <a:avLst/>
@@ -4981,7 +4978,7 @@
         <p:spPr>
           <a:xfrm flipV="1">
             <a:off x="3392861" y="2556218"/>
-            <a:ext cx="252836" cy="768117"/>
+            <a:ext cx="252836" cy="676158"/>
           </a:xfrm>
           <a:prstGeom prst="straightConnector1">
             <a:avLst/>
@@ -5690,6 +5687,58 @@
           </a:p>
         </p:txBody>
       </p:sp>
+      <p:sp>
+        <p:nvSpPr>
+          <p:cNvPr id="6" name="직사각형 5">
+            <a:extLst>
+              <a:ext uri="{FF2B5EF4-FFF2-40B4-BE49-F238E27FC236}">
+                <a16:creationId xmlns:a16="http://schemas.microsoft.com/office/drawing/2014/main" id="{80071AE2-F8A5-4F8D-B12B-55BB8882BA94}"/>
+              </a:ext>
+            </a:extLst>
+          </p:cNvPr>
+          <p:cNvSpPr/>
+          <p:nvPr/>
+        </p:nvSpPr>
+        <p:spPr>
+          <a:xfrm>
+            <a:off x="0" y="800100"/>
+            <a:ext cx="12192000" cy="6057900"/>
+          </a:xfrm>
+          <a:prstGeom prst="rect">
+            <a:avLst/>
+          </a:prstGeom>
+          <a:solidFill>
+            <a:schemeClr val="bg2"/>
+          </a:solidFill>
+          <a:ln>
+            <a:noFill/>
+          </a:ln>
+        </p:spPr>
+        <p:style>
+          <a:lnRef idx="2">
+            <a:schemeClr val="accent1">
+              <a:shade val="50000"/>
+            </a:schemeClr>
+          </a:lnRef>
+          <a:fillRef idx="1">
+            <a:schemeClr val="accent1"/>
+          </a:fillRef>
+          <a:effectRef idx="0">
+            <a:schemeClr val="accent1"/>
+          </a:effectRef>
+          <a:fontRef idx="minor">
+            <a:schemeClr val="lt1"/>
+          </a:fontRef>
+        </p:style>
+        <p:txBody>
+          <a:bodyPr rtlCol="0" anchor="ctr"/>
+          <a:lstStyle/>
+          <a:p>
+            <a:pPr algn="ctr"/>
+            <a:endParaRPr lang="ko-KR" altLang="en-US"/>
+          </a:p>
+        </p:txBody>
+      </p:sp>
       <p:graphicFrame>
         <p:nvGraphicFramePr>
           <p:cNvPr id="2" name="표 2">
@@ -5705,7 +5754,7 @@
           <p:nvPr>
             <p:extLst>
               <p:ext uri="{D42A27DB-BD31-4B8C-83A1-F6EECF244321}">
-                <p14:modId xmlns:p14="http://schemas.microsoft.com/office/powerpoint/2010/main" val="1640619501"/>
+                <p14:modId xmlns:p14="http://schemas.microsoft.com/office/powerpoint/2010/main" val="3083821628"/>
               </p:ext>
             </p:extLst>
           </p:nvPr>
@@ -5721,21 +5770,21 @@
                 <a:tableStyleId>{5C22544A-7EE6-4342-B048-85BDC9FD1C3A}</a:tableStyleId>
               </a:tblPr>
               <a:tblGrid>
-                <a:gridCol w="1354667">
+                <a:gridCol w="1562123">
                   <a:extLst>
                     <a:ext uri="{9D8B030D-6E8A-4147-A177-3AD203B41FA5}">
                       <a16:colId xmlns:a16="http://schemas.microsoft.com/office/drawing/2014/main" val="1502827026"/>
                     </a:ext>
                   </a:extLst>
                 </a:gridCol>
-                <a:gridCol w="1354667">
+                <a:gridCol w="1230284">
                   <a:extLst>
                     <a:ext uri="{9D8B030D-6E8A-4147-A177-3AD203B41FA5}">
                       <a16:colId xmlns:a16="http://schemas.microsoft.com/office/drawing/2014/main" val="2022939193"/>
                     </a:ext>
                   </a:extLst>
                 </a:gridCol>
-                <a:gridCol w="1354667">
+                <a:gridCol w="1271594">
                   <a:extLst>
                     <a:ext uri="{9D8B030D-6E8A-4147-A177-3AD203B41FA5}">
                       <a16:colId xmlns:a16="http://schemas.microsoft.com/office/drawing/2014/main" val="1763518477"/>
@@ -5801,13 +5850,20 @@
                     <a:bodyPr/>
                     <a:lstStyle/>
                     <a:p>
-                      <a:pPr latinLnBrk="1"/>
+                      <a:pPr algn="ctr" latinLnBrk="1"/>
+                      <a:r>
+                        <a:rPr lang="en-US" altLang="ko-KR" dirty="0" smtClean="0">
+                          <a:latin typeface="DX경필명조B" panose="02020600000000000000" pitchFamily="18" charset="-127"/>
+                          <a:ea typeface="DX경필명조B" panose="02020600000000000000" pitchFamily="18" charset="-127"/>
+                        </a:rPr>
+                        <a:t>~</a:t>
+                      </a:r>
                       <a:r>
                         <a:rPr lang="en-US" altLang="ko-KR" dirty="0">
                           <a:latin typeface="DX경필명조B" panose="02020600000000000000" pitchFamily="18" charset="-127"/>
                           <a:ea typeface="DX경필명조B" panose="02020600000000000000" pitchFamily="18" charset="-127"/>
                         </a:rPr>
-                        <a:t> ~08 / 23</a:t>
+                        <a:t>08 / 23</a:t>
                       </a:r>
                       <a:endParaRPr lang="ko-KR" altLang="en-US" dirty="0">
                         <a:latin typeface="DX경필명조B" panose="02020600000000000000" pitchFamily="18" charset="-127"/>
@@ -5843,7 +5899,21 @@
                     <a:bodyPr/>
                     <a:lstStyle/>
                     <a:p>
-                      <a:pPr latinLnBrk="1"/>
+                      <a:pPr algn="ctr" latinLnBrk="1"/>
+                      <a:r>
+                        <a:rPr lang="en-US" altLang="ko-KR" dirty="0" smtClean="0">
+                          <a:latin typeface="DX경필명조B" panose="02020600000000000000" pitchFamily="18" charset="-127"/>
+                          <a:ea typeface="DX경필명조B" panose="02020600000000000000" pitchFamily="18" charset="-127"/>
+                        </a:rPr>
+                        <a:t>~08</a:t>
+                      </a:r>
+                      <a:r>
+                        <a:rPr lang="en-US" altLang="ko-KR" baseline="0" dirty="0" smtClean="0">
+                          <a:latin typeface="DX경필명조B" panose="02020600000000000000" pitchFamily="18" charset="-127"/>
+                          <a:ea typeface="DX경필명조B" panose="02020600000000000000" pitchFamily="18" charset="-127"/>
+                        </a:rPr>
+                        <a:t> / 30</a:t>
+                      </a:r>
                       <a:endParaRPr lang="ko-KR" altLang="en-US" dirty="0">
                         <a:latin typeface="DX경필명조B" panose="02020600000000000000" pitchFamily="18" charset="-127"/>
                         <a:ea typeface="DX경필명조B" panose="02020600000000000000" pitchFamily="18" charset="-127"/>
@@ -5857,7 +5927,14 @@
                     <a:bodyPr/>
                     <a:lstStyle/>
                     <a:p>
-                      <a:pPr latinLnBrk="1"/>
+                      <a:pPr algn="ctr" latinLnBrk="1"/>
+                      <a:r>
+                        <a:rPr lang="en-US" altLang="ko-KR" dirty="0" smtClean="0">
+                          <a:latin typeface="DX경필명조B" panose="02020600000000000000" pitchFamily="18" charset="-127"/>
+                          <a:ea typeface="DX경필명조B" panose="02020600000000000000" pitchFamily="18" charset="-127"/>
+                        </a:rPr>
+                        <a:t>~09 / 02</a:t>
+                      </a:r>
                       <a:endParaRPr lang="ko-KR" altLang="en-US" dirty="0">
                         <a:latin typeface="DX경필명조B" panose="02020600000000000000" pitchFamily="18" charset="-127"/>
                         <a:ea typeface="DX경필명조B" panose="02020600000000000000" pitchFamily="18" charset="-127"/>
@@ -5871,7 +5948,21 @@
                     <a:bodyPr/>
                     <a:lstStyle/>
                     <a:p>
-                      <a:pPr latinLnBrk="1"/>
+                      <a:pPr algn="ctr" latinLnBrk="1"/>
+                      <a:r>
+                        <a:rPr lang="en-US" altLang="ko-KR" dirty="0" smtClean="0">
+                          <a:latin typeface="DX경필명조B" panose="02020600000000000000" pitchFamily="18" charset="-127"/>
+                          <a:ea typeface="DX경필명조B" panose="02020600000000000000" pitchFamily="18" charset="-127"/>
+                        </a:rPr>
+                        <a:t>~09</a:t>
+                      </a:r>
+                      <a:r>
+                        <a:rPr lang="en-US" altLang="ko-KR" baseline="0" dirty="0" smtClean="0">
+                          <a:latin typeface="DX경필명조B" panose="02020600000000000000" pitchFamily="18" charset="-127"/>
+                          <a:ea typeface="DX경필명조B" panose="02020600000000000000" pitchFamily="18" charset="-127"/>
+                        </a:rPr>
+                        <a:t> / 09</a:t>
+                      </a:r>
                       <a:endParaRPr lang="ko-KR" altLang="en-US" dirty="0">
                         <a:latin typeface="DX경필명조B" panose="02020600000000000000" pitchFamily="18" charset="-127"/>
                         <a:ea typeface="DX경필명조B" panose="02020600000000000000" pitchFamily="18" charset="-127"/>
@@ -6179,8 +6270,19 @@
                           <a:latin typeface="DX경필명조B" panose="02020600000000000000" pitchFamily="18" charset="-127"/>
                           <a:ea typeface="DX경필명조B" panose="02020600000000000000" pitchFamily="18" charset="-127"/>
                         </a:rPr>
-                        <a:t>온라인 통신 구현</a:t>
+                        <a:t>온라인 </a:t>
                       </a:r>
+                      <a:r>
+                        <a:rPr lang="ko-KR" altLang="en-US" dirty="0" err="1" smtClean="0">
+                          <a:latin typeface="DX경필명조B" panose="02020600000000000000" pitchFamily="18" charset="-127"/>
+                          <a:ea typeface="DX경필명조B" panose="02020600000000000000" pitchFamily="18" charset="-127"/>
+                        </a:rPr>
+                        <a:t>플레이구현</a:t>
+                      </a:r>
+                      <a:endParaRPr lang="ko-KR" altLang="en-US" dirty="0">
+                        <a:latin typeface="DX경필명조B" panose="02020600000000000000" pitchFamily="18" charset="-127"/>
+                        <a:ea typeface="DX경필명조B" panose="02020600000000000000" pitchFamily="18" charset="-127"/>
+                      </a:endParaRPr>
                     </a:p>
                   </a:txBody>
                   <a:tcPr>
@@ -6246,43 +6348,15 @@
                       </a:endParaRPr>
                     </a:p>
                   </a:txBody>
-                  <a:tcPr/>
+                  <a:tcPr>
+                    <a:solidFill>
+                      <a:schemeClr val="accent4">
+                        <a:lumMod val="40000"/>
+                        <a:lumOff val="60000"/>
+                      </a:schemeClr>
+                    </a:solidFill>
+                  </a:tcPr>
                 </a:tc>
-                <a:tc>
-                  <a:txBody>
-                    <a:bodyPr/>
-                    <a:lstStyle/>
-                    <a:p>
-                      <a:pPr latinLnBrk="1"/>
-                      <a:endParaRPr lang="ko-KR" altLang="en-US">
-                        <a:latin typeface="DX경필명조B" panose="02020600000000000000" pitchFamily="18" charset="-127"/>
-                        <a:ea typeface="DX경필명조B" panose="02020600000000000000" pitchFamily="18" charset="-127"/>
-                      </a:endParaRPr>
-                    </a:p>
-                  </a:txBody>
-                  <a:tcPr/>
-                </a:tc>
-                <a:tc>
-                  <a:txBody>
-                    <a:bodyPr/>
-                    <a:lstStyle/>
-                    <a:p>
-                      <a:pPr latinLnBrk="1"/>
-                      <a:endParaRPr lang="ko-KR" altLang="en-US">
-                        <a:latin typeface="DX경필명조B" panose="02020600000000000000" pitchFamily="18" charset="-127"/>
-                        <a:ea typeface="DX경필명조B" panose="02020600000000000000" pitchFamily="18" charset="-127"/>
-                      </a:endParaRPr>
-                    </a:p>
-                  </a:txBody>
-                  <a:tcPr/>
-                </a:tc>
-                <a:extLst>
-                  <a:ext uri="{0D108BD9-81ED-4DB2-BD59-A6C34878D82A}">
-                    <a16:rowId xmlns:a16="http://schemas.microsoft.com/office/drawing/2014/main" val="975574197"/>
-                  </a:ext>
-                </a:extLst>
-              </a:tr>
-              <a:tr h="370840">
                 <a:tc>
                   <a:txBody>
                     <a:bodyPr/>
@@ -6297,87 +6371,13 @@
                   </a:txBody>
                   <a:tcPr>
                     <a:solidFill>
-                      <a:schemeClr val="accent1"/>
+                      <a:schemeClr val="tx1">
+                        <a:lumMod val="50000"/>
+                        <a:lumOff val="50000"/>
+                      </a:schemeClr>
                     </a:solidFill>
                   </a:tcPr>
                 </a:tc>
-                <a:tc>
-                  <a:txBody>
-                    <a:bodyPr/>
-                    <a:lstStyle/>
-                    <a:p>
-                      <a:pPr latinLnBrk="1"/>
-                      <a:endParaRPr lang="ko-KR" altLang="en-US">
-                        <a:latin typeface="DX경필명조B" panose="02020600000000000000" pitchFamily="18" charset="-127"/>
-                        <a:ea typeface="DX경필명조B" panose="02020600000000000000" pitchFamily="18" charset="-127"/>
-                      </a:endParaRPr>
-                    </a:p>
-                  </a:txBody>
-                  <a:tcPr/>
-                </a:tc>
-                <a:tc>
-                  <a:txBody>
-                    <a:bodyPr/>
-                    <a:lstStyle/>
-                    <a:p>
-                      <a:pPr latinLnBrk="1"/>
-                      <a:endParaRPr lang="ko-KR" altLang="en-US" dirty="0">
-                        <a:latin typeface="DX경필명조B" panose="02020600000000000000" pitchFamily="18" charset="-127"/>
-                        <a:ea typeface="DX경필명조B" panose="02020600000000000000" pitchFamily="18" charset="-127"/>
-                      </a:endParaRPr>
-                    </a:p>
-                  </a:txBody>
-                  <a:tcPr/>
-                </a:tc>
-                <a:tc>
-                  <a:txBody>
-                    <a:bodyPr/>
-                    <a:lstStyle/>
-                    <a:p>
-                      <a:pPr latinLnBrk="1"/>
-                      <a:endParaRPr lang="ko-KR" altLang="en-US" dirty="0">
-                        <a:latin typeface="DX경필명조B" panose="02020600000000000000" pitchFamily="18" charset="-127"/>
-                        <a:ea typeface="DX경필명조B" panose="02020600000000000000" pitchFamily="18" charset="-127"/>
-                      </a:endParaRPr>
-                    </a:p>
-                  </a:txBody>
-                  <a:tcPr/>
-                </a:tc>
-                <a:tc>
-                  <a:txBody>
-                    <a:bodyPr/>
-                    <a:lstStyle/>
-                    <a:p>
-                      <a:pPr latinLnBrk="1"/>
-                      <a:endParaRPr lang="ko-KR" altLang="en-US">
-                        <a:latin typeface="DX경필명조B" panose="02020600000000000000" pitchFamily="18" charset="-127"/>
-                        <a:ea typeface="DX경필명조B" panose="02020600000000000000" pitchFamily="18" charset="-127"/>
-                      </a:endParaRPr>
-                    </a:p>
-                  </a:txBody>
-                  <a:tcPr/>
-                </a:tc>
-                <a:tc>
-                  <a:txBody>
-                    <a:bodyPr/>
-                    <a:lstStyle/>
-                    <a:p>
-                      <a:pPr latinLnBrk="1"/>
-                      <a:endParaRPr lang="ko-KR" altLang="en-US">
-                        <a:latin typeface="DX경필명조B" panose="02020600000000000000" pitchFamily="18" charset="-127"/>
-                        <a:ea typeface="DX경필명조B" panose="02020600000000000000" pitchFamily="18" charset="-127"/>
-                      </a:endParaRPr>
-                    </a:p>
-                  </a:txBody>
-                  <a:tcPr/>
-                </a:tc>
-                <a:extLst>
-                  <a:ext uri="{0D108BD9-81ED-4DB2-BD59-A6C34878D82A}">
-                    <a16:rowId xmlns:a16="http://schemas.microsoft.com/office/drawing/2014/main" val="767184800"/>
-                  </a:ext>
-                </a:extLst>
-              </a:tr>
-              <a:tr h="370840">
                 <a:tc>
                   <a:txBody>
                     <a:bodyPr/>
@@ -6392,87 +6392,76 @@
                   </a:txBody>
                   <a:tcPr>
                     <a:solidFill>
-                      <a:schemeClr val="accent1"/>
+                      <a:schemeClr val="tx1">
+                        <a:lumMod val="50000"/>
+                        <a:lumOff val="50000"/>
+                      </a:schemeClr>
                     </a:solidFill>
                   </a:tcPr>
                 </a:tc>
+                <a:extLst>
+                  <a:ext uri="{0D108BD9-81ED-4DB2-BD59-A6C34878D82A}">
+                    <a16:rowId xmlns:a16="http://schemas.microsoft.com/office/drawing/2014/main" val="975574197"/>
+                  </a:ext>
+                </a:extLst>
+              </a:tr>
+              <a:tr h="741680">
                 <a:tc>
                   <a:txBody>
                     <a:bodyPr/>
                     <a:lstStyle/>
                     <a:p>
                       <a:pPr latinLnBrk="1"/>
-                      <a:endParaRPr lang="ko-KR" altLang="en-US">
-                        <a:latin typeface="DX경필명조B" panose="02020600000000000000" pitchFamily="18" charset="-127"/>
-                        <a:ea typeface="DX경필명조B" panose="02020600000000000000" pitchFamily="18" charset="-127"/>
-                      </a:endParaRPr>
-                    </a:p>
-                  </a:txBody>
-                  <a:tcPr/>
-                </a:tc>
-                <a:tc>
-                  <a:txBody>
-                    <a:bodyPr/>
-                    <a:lstStyle/>
-                    <a:p>
-                      <a:pPr latinLnBrk="1"/>
-                      <a:endParaRPr lang="ko-KR" altLang="en-US">
-                        <a:latin typeface="DX경필명조B" panose="02020600000000000000" pitchFamily="18" charset="-127"/>
-                        <a:ea typeface="DX경필명조B" panose="02020600000000000000" pitchFamily="18" charset="-127"/>
-                      </a:endParaRPr>
-                    </a:p>
-                  </a:txBody>
-                  <a:tcPr/>
-                </a:tc>
-                <a:tc>
-                  <a:txBody>
-                    <a:bodyPr/>
-                    <a:lstStyle/>
-                    <a:p>
-                      <a:pPr latinLnBrk="1"/>
+                      <a:r>
+                        <a:rPr lang="ko-KR" altLang="en-US" dirty="0" err="1" smtClean="0">
+                          <a:latin typeface="DX경필명조B" panose="02020600000000000000" pitchFamily="18" charset="-127"/>
+                          <a:ea typeface="DX경필명조B" panose="02020600000000000000" pitchFamily="18" charset="-127"/>
+                        </a:rPr>
+                        <a:t>인게임</a:t>
+                      </a:r>
+                      <a:r>
+                        <a:rPr lang="ko-KR" altLang="en-US" dirty="0" smtClean="0">
+                          <a:latin typeface="DX경필명조B" panose="02020600000000000000" pitchFamily="18" charset="-127"/>
+                          <a:ea typeface="DX경필명조B" panose="02020600000000000000" pitchFamily="18" charset="-127"/>
+                        </a:rPr>
+                        <a:t> 외</a:t>
+                      </a:r>
+                      <a:r>
+                        <a:rPr lang="ko-KR" altLang="en-US" baseline="0" dirty="0" smtClean="0">
+                          <a:latin typeface="DX경필명조B" panose="02020600000000000000" pitchFamily="18" charset="-127"/>
+                          <a:ea typeface="DX경필명조B" panose="02020600000000000000" pitchFamily="18" charset="-127"/>
+                        </a:rPr>
+                        <a:t> </a:t>
+                      </a:r>
+                      <a:r>
+                        <a:rPr lang="en-US" altLang="ko-KR" baseline="0" dirty="0" smtClean="0">
+                          <a:latin typeface="DX경필명조B" panose="02020600000000000000" pitchFamily="18" charset="-127"/>
+                          <a:ea typeface="DX경필명조B" panose="02020600000000000000" pitchFamily="18" charset="-127"/>
+                        </a:rPr>
+                        <a:t>Scene </a:t>
+                      </a:r>
+                      <a:r>
+                        <a:rPr lang="ko-KR" altLang="en-US" baseline="0" dirty="0" smtClean="0">
+                          <a:latin typeface="DX경필명조B" panose="02020600000000000000" pitchFamily="18" charset="-127"/>
+                          <a:ea typeface="DX경필명조B" panose="02020600000000000000" pitchFamily="18" charset="-127"/>
+                        </a:rPr>
+                        <a:t>구현</a:t>
+                      </a:r>
                       <a:endParaRPr lang="ko-KR" altLang="en-US" dirty="0">
                         <a:latin typeface="DX경필명조B" panose="02020600000000000000" pitchFamily="18" charset="-127"/>
                         <a:ea typeface="DX경필명조B" panose="02020600000000000000" pitchFamily="18" charset="-127"/>
                       </a:endParaRPr>
                     </a:p>
                   </a:txBody>
-                  <a:tcPr/>
+                  <a:tcPr>
+                    <a:solidFill>
+                      <a:schemeClr val="accent2">
+                        <a:lumMod val="60000"/>
+                        <a:lumOff val="40000"/>
+                      </a:schemeClr>
+                    </a:solidFill>
+                  </a:tcPr>
                 </a:tc>
-                <a:tc>
-                  <a:txBody>
-                    <a:bodyPr/>
-                    <a:lstStyle/>
-                    <a:p>
-                      <a:pPr latinLnBrk="1"/>
-                      <a:endParaRPr lang="ko-KR" altLang="en-US" dirty="0">
-                        <a:latin typeface="DX경필명조B" panose="02020600000000000000" pitchFamily="18" charset="-127"/>
-                        <a:ea typeface="DX경필명조B" panose="02020600000000000000" pitchFamily="18" charset="-127"/>
-                      </a:endParaRPr>
-                    </a:p>
-                  </a:txBody>
-                  <a:tcPr/>
-                </a:tc>
-                <a:tc>
-                  <a:txBody>
-                    <a:bodyPr/>
-                    <a:lstStyle/>
-                    <a:p>
-                      <a:pPr latinLnBrk="1"/>
-                      <a:endParaRPr lang="ko-KR" altLang="en-US">
-                        <a:latin typeface="DX경필명조B" panose="02020600000000000000" pitchFamily="18" charset="-127"/>
-                        <a:ea typeface="DX경필명조B" panose="02020600000000000000" pitchFamily="18" charset="-127"/>
-                      </a:endParaRPr>
-                    </a:p>
-                  </a:txBody>
-                  <a:tcPr/>
-                </a:tc>
-                <a:extLst>
-                  <a:ext uri="{0D108BD9-81ED-4DB2-BD59-A6C34878D82A}">
-                    <a16:rowId xmlns:a16="http://schemas.microsoft.com/office/drawing/2014/main" val="3761180837"/>
-                  </a:ext>
-                </a:extLst>
-              </a:tr>
-              <a:tr h="370840">
                 <a:tc>
                   <a:txBody>
                     <a:bodyPr/>
@@ -6487,51 +6476,12 @@
                   </a:txBody>
                   <a:tcPr>
                     <a:solidFill>
-                      <a:schemeClr val="accent1"/>
+                      <a:schemeClr val="tx1">
+                        <a:lumMod val="50000"/>
+                        <a:lumOff val="50000"/>
+                      </a:schemeClr>
                     </a:solidFill>
                   </a:tcPr>
-                </a:tc>
-                <a:tc>
-                  <a:txBody>
-                    <a:bodyPr/>
-                    <a:lstStyle/>
-                    <a:p>
-                      <a:pPr latinLnBrk="1"/>
-                      <a:endParaRPr lang="ko-KR" altLang="en-US">
-                        <a:latin typeface="DX경필명조B" panose="02020600000000000000" pitchFamily="18" charset="-127"/>
-                        <a:ea typeface="DX경필명조B" panose="02020600000000000000" pitchFamily="18" charset="-127"/>
-                      </a:endParaRPr>
-                    </a:p>
-                  </a:txBody>
-                  <a:tcPr/>
-                </a:tc>
-                <a:tc>
-                  <a:txBody>
-                    <a:bodyPr/>
-                    <a:lstStyle/>
-                    <a:p>
-                      <a:pPr latinLnBrk="1"/>
-                      <a:endParaRPr lang="ko-KR" altLang="en-US">
-                        <a:latin typeface="DX경필명조B" panose="02020600000000000000" pitchFamily="18" charset="-127"/>
-                        <a:ea typeface="DX경필명조B" panose="02020600000000000000" pitchFamily="18" charset="-127"/>
-                      </a:endParaRPr>
-                    </a:p>
-                  </a:txBody>
-                  <a:tcPr/>
-                </a:tc>
-                <a:tc>
-                  <a:txBody>
-                    <a:bodyPr/>
-                    <a:lstStyle/>
-                    <a:p>
-                      <a:pPr latinLnBrk="1"/>
-                      <a:endParaRPr lang="ko-KR" altLang="en-US">
-                        <a:latin typeface="DX경필명조B" panose="02020600000000000000" pitchFamily="18" charset="-127"/>
-                        <a:ea typeface="DX경필명조B" panose="02020600000000000000" pitchFamily="18" charset="-127"/>
-                      </a:endParaRPr>
-                    </a:p>
-                  </a:txBody>
-                  <a:tcPr/>
                 </a:tc>
                 <a:tc>
                   <a:txBody>
@@ -6545,7 +6495,14 @@
                       </a:endParaRPr>
                     </a:p>
                   </a:txBody>
-                  <a:tcPr/>
+                  <a:tcPr>
+                    <a:solidFill>
+                      <a:schemeClr val="tx1">
+                        <a:lumMod val="50000"/>
+                        <a:lumOff val="50000"/>
+                      </a:schemeClr>
+                    </a:solidFill>
+                  </a:tcPr>
                 </a:tc>
                 <a:tc>
                   <a:txBody>
@@ -6559,15 +6516,15 @@
                       </a:endParaRPr>
                     </a:p>
                   </a:txBody>
-                  <a:tcPr/>
+                  <a:tcPr>
+                    <a:solidFill>
+                      <a:schemeClr val="tx1">
+                        <a:lumMod val="50000"/>
+                        <a:lumOff val="50000"/>
+                      </a:schemeClr>
+                    </a:solidFill>
+                  </a:tcPr>
                 </a:tc>
-                <a:extLst>
-                  <a:ext uri="{0D108BD9-81ED-4DB2-BD59-A6C34878D82A}">
-                    <a16:rowId xmlns:a16="http://schemas.microsoft.com/office/drawing/2014/main" val="3676776929"/>
-                  </a:ext>
-                </a:extLst>
-              </a:tr>
-              <a:tr h="370840">
                 <a:tc>
                   <a:txBody>
                     <a:bodyPr/>
@@ -6575,68 +6532,22 @@
                     <a:p>
                       <a:pPr latinLnBrk="1"/>
                       <a:endParaRPr lang="ko-KR" altLang="en-US" dirty="0">
+                        <a:solidFill>
+                          <a:schemeClr val="accent2">
+                            <a:lumMod val="60000"/>
+                            <a:lumOff val="40000"/>
+                          </a:schemeClr>
+                        </a:solidFill>
                         <a:latin typeface="DX경필명조B" panose="02020600000000000000" pitchFamily="18" charset="-127"/>
                         <a:ea typeface="DX경필명조B" panose="02020600000000000000" pitchFamily="18" charset="-127"/>
                       </a:endParaRPr>
                     </a:p>
                   </a:txBody>
-                  <a:tcPr/>
-                </a:tc>
-                <a:tc>
-                  <a:txBody>
-                    <a:bodyPr/>
-                    <a:lstStyle/>
-                    <a:p>
-                      <a:pPr latinLnBrk="1"/>
-                      <a:endParaRPr lang="ko-KR" altLang="en-US">
-                        <a:latin typeface="DX경필명조B" panose="02020600000000000000" pitchFamily="18" charset="-127"/>
-                        <a:ea typeface="DX경필명조B" panose="02020600000000000000" pitchFamily="18" charset="-127"/>
-                      </a:endParaRPr>
-                    </a:p>
-                  </a:txBody>
-                  <a:tcPr/>
-                </a:tc>
-                <a:tc>
-                  <a:txBody>
-                    <a:bodyPr/>
-                    <a:lstStyle/>
-                    <a:p>
-                      <a:pPr latinLnBrk="1"/>
-                      <a:endParaRPr lang="ko-KR" altLang="en-US">
-                        <a:latin typeface="DX경필명조B" panose="02020600000000000000" pitchFamily="18" charset="-127"/>
-                        <a:ea typeface="DX경필명조B" panose="02020600000000000000" pitchFamily="18" charset="-127"/>
-                      </a:endParaRPr>
-                    </a:p>
-                  </a:txBody>
-                  <a:tcPr/>
-                </a:tc>
-                <a:tc>
-                  <a:txBody>
-                    <a:bodyPr/>
-                    <a:lstStyle/>
-                    <a:p>
-                      <a:pPr latinLnBrk="1"/>
-                      <a:endParaRPr lang="ko-KR" altLang="en-US">
-                        <a:latin typeface="DX경필명조B" panose="02020600000000000000" pitchFamily="18" charset="-127"/>
-                        <a:ea typeface="DX경필명조B" panose="02020600000000000000" pitchFamily="18" charset="-127"/>
-                      </a:endParaRPr>
-                    </a:p>
-                  </a:txBody>
-                  <a:tcPr/>
-                </a:tc>
-                <a:tc>
-                  <a:txBody>
-                    <a:bodyPr/>
-                    <a:lstStyle/>
-                    <a:p>
-                      <a:pPr latinLnBrk="1"/>
-                      <a:endParaRPr lang="ko-KR" altLang="en-US">
-                        <a:latin typeface="DX경필명조B" panose="02020600000000000000" pitchFamily="18" charset="-127"/>
-                        <a:ea typeface="DX경필명조B" panose="02020600000000000000" pitchFamily="18" charset="-127"/>
-                      </a:endParaRPr>
-                    </a:p>
-                  </a:txBody>
-                  <a:tcPr/>
+                  <a:tcPr>
+                    <a:solidFill>
+                      <a:srgbClr val="F4B183"/>
+                    </a:solidFill>
+                  </a:tcPr>
                 </a:tc>
                 <a:tc>
                   <a:txBody>
@@ -6650,11 +6561,172 @@
                       </a:endParaRPr>
                     </a:p>
                   </a:txBody>
-                  <a:tcPr/>
+                  <a:tcPr>
+                    <a:solidFill>
+                      <a:schemeClr val="tx1">
+                        <a:lumMod val="50000"/>
+                        <a:lumOff val="50000"/>
+                      </a:schemeClr>
+                    </a:solidFill>
+                  </a:tcPr>
                 </a:tc>
                 <a:extLst>
                   <a:ext uri="{0D108BD9-81ED-4DB2-BD59-A6C34878D82A}">
-                    <a16:rowId xmlns:a16="http://schemas.microsoft.com/office/drawing/2014/main" val="769559871"/>
+                    <a16:rowId xmlns:a16="http://schemas.microsoft.com/office/drawing/2014/main" val="767184800"/>
+                  </a:ext>
+                </a:extLst>
+              </a:tr>
+              <a:tr h="741680">
+                <a:tc>
+                  <a:txBody>
+                    <a:bodyPr/>
+                    <a:lstStyle/>
+                    <a:p>
+                      <a:pPr latinLnBrk="1"/>
+                      <a:r>
+                        <a:rPr lang="ko-KR" altLang="en-US" dirty="0" smtClean="0">
+                          <a:latin typeface="DX경필명조B" panose="02020600000000000000" pitchFamily="18" charset="-127"/>
+                          <a:ea typeface="DX경필명조B" panose="02020600000000000000" pitchFamily="18" charset="-127"/>
+                        </a:rPr>
+                        <a:t>기능 추가 및</a:t>
+                      </a:r>
+                      <a:endParaRPr lang="en-US" altLang="ko-KR" dirty="0" smtClean="0">
+                        <a:latin typeface="DX경필명조B" panose="02020600000000000000" pitchFamily="18" charset="-127"/>
+                        <a:ea typeface="DX경필명조B" panose="02020600000000000000" pitchFamily="18" charset="-127"/>
+                      </a:endParaRPr>
+                    </a:p>
+                    <a:p>
+                      <a:pPr latinLnBrk="1"/>
+                      <a:r>
+                        <a:rPr lang="ko-KR" altLang="en-US" dirty="0" smtClean="0">
+                          <a:latin typeface="DX경필명조B" panose="02020600000000000000" pitchFamily="18" charset="-127"/>
+                          <a:ea typeface="DX경필명조B" panose="02020600000000000000" pitchFamily="18" charset="-127"/>
+                        </a:rPr>
+                        <a:t>디버깅</a:t>
+                      </a:r>
+                      <a:endParaRPr lang="ko-KR" altLang="en-US" dirty="0">
+                        <a:latin typeface="DX경필명조B" panose="02020600000000000000" pitchFamily="18" charset="-127"/>
+                        <a:ea typeface="DX경필명조B" panose="02020600000000000000" pitchFamily="18" charset="-127"/>
+                      </a:endParaRPr>
+                    </a:p>
+                  </a:txBody>
+                  <a:tcPr>
+                    <a:solidFill>
+                      <a:schemeClr val="accent6">
+                        <a:lumMod val="60000"/>
+                        <a:lumOff val="40000"/>
+                      </a:schemeClr>
+                    </a:solidFill>
+                  </a:tcPr>
+                </a:tc>
+                <a:tc>
+                  <a:txBody>
+                    <a:bodyPr/>
+                    <a:lstStyle/>
+                    <a:p>
+                      <a:pPr latinLnBrk="1"/>
+                      <a:endParaRPr lang="ko-KR" altLang="en-US" dirty="0">
+                        <a:latin typeface="DX경필명조B" panose="02020600000000000000" pitchFamily="18" charset="-127"/>
+                        <a:ea typeface="DX경필명조B" panose="02020600000000000000" pitchFamily="18" charset="-127"/>
+                      </a:endParaRPr>
+                    </a:p>
+                  </a:txBody>
+                  <a:tcPr>
+                    <a:solidFill>
+                      <a:schemeClr val="tx1">
+                        <a:lumMod val="50000"/>
+                        <a:lumOff val="50000"/>
+                      </a:schemeClr>
+                    </a:solidFill>
+                  </a:tcPr>
+                </a:tc>
+                <a:tc>
+                  <a:txBody>
+                    <a:bodyPr/>
+                    <a:lstStyle/>
+                    <a:p>
+                      <a:pPr latinLnBrk="1"/>
+                      <a:endParaRPr lang="ko-KR" altLang="en-US" dirty="0">
+                        <a:latin typeface="DX경필명조B" panose="02020600000000000000" pitchFamily="18" charset="-127"/>
+                        <a:ea typeface="DX경필명조B" panose="02020600000000000000" pitchFamily="18" charset="-127"/>
+                      </a:endParaRPr>
+                    </a:p>
+                  </a:txBody>
+                  <a:tcPr>
+                    <a:solidFill>
+                      <a:schemeClr val="tx1">
+                        <a:lumMod val="50000"/>
+                        <a:lumOff val="50000"/>
+                      </a:schemeClr>
+                    </a:solidFill>
+                  </a:tcPr>
+                </a:tc>
+                <a:tc>
+                  <a:txBody>
+                    <a:bodyPr/>
+                    <a:lstStyle/>
+                    <a:p>
+                      <a:pPr latinLnBrk="1"/>
+                      <a:endParaRPr lang="ko-KR" altLang="en-US" dirty="0">
+                        <a:latin typeface="DX경필명조B" panose="02020600000000000000" pitchFamily="18" charset="-127"/>
+                        <a:ea typeface="DX경필명조B" panose="02020600000000000000" pitchFamily="18" charset="-127"/>
+                      </a:endParaRPr>
+                    </a:p>
+                  </a:txBody>
+                  <a:tcPr>
+                    <a:solidFill>
+                      <a:schemeClr val="tx1">
+                        <a:lumMod val="50000"/>
+                        <a:lumOff val="50000"/>
+                      </a:schemeClr>
+                    </a:solidFill>
+                  </a:tcPr>
+                </a:tc>
+                <a:tc>
+                  <a:txBody>
+                    <a:bodyPr/>
+                    <a:lstStyle/>
+                    <a:p>
+                      <a:pPr latinLnBrk="1"/>
+                      <a:endParaRPr lang="ko-KR" altLang="en-US" dirty="0">
+                        <a:latin typeface="DX경필명조B" panose="02020600000000000000" pitchFamily="18" charset="-127"/>
+                        <a:ea typeface="DX경필명조B" panose="02020600000000000000" pitchFamily="18" charset="-127"/>
+                      </a:endParaRPr>
+                    </a:p>
+                  </a:txBody>
+                  <a:tcPr>
+                    <a:solidFill>
+                      <a:schemeClr val="tx1">
+                        <a:lumMod val="50000"/>
+                        <a:lumOff val="50000"/>
+                      </a:schemeClr>
+                    </a:solidFill>
+                  </a:tcPr>
+                </a:tc>
+                <a:tc>
+                  <a:txBody>
+                    <a:bodyPr/>
+                    <a:lstStyle/>
+                    <a:p>
+                      <a:pPr latinLnBrk="1"/>
+                      <a:endParaRPr lang="ko-KR" altLang="en-US" dirty="0">
+                        <a:latin typeface="DX경필명조B" panose="02020600000000000000" pitchFamily="18" charset="-127"/>
+                        <a:ea typeface="DX경필명조B" panose="02020600000000000000" pitchFamily="18" charset="-127"/>
+                      </a:endParaRPr>
+                    </a:p>
+                  </a:txBody>
+                  <a:tcPr>
+                    <a:solidFill>
+                      <a:schemeClr val="accent6">
+                        <a:lumMod val="60000"/>
+                        <a:lumOff val="40000"/>
+                      </a:schemeClr>
+                    </a:solidFill>
+                  </a:tcPr>
+                </a:tc>
+                <a:extLst>
+                  <a:ext uri="{0D108BD9-81ED-4DB2-BD59-A6C34878D82A}">
+                    <a16:rowId xmlns:a16="http://schemas.microsoft.com/office/drawing/2014/main" val="3676776929"/>
                   </a:ext>
                 </a:extLst>
               </a:tr>
@@ -6715,3692 +6787,6 @@
 </file>
 
 <file path=ppt/slides/slide6.xml><?xml version="1.0" encoding="utf-8"?>
-<p:sld xmlns:a="http://schemas.openxmlformats.org/drawingml/2006/main" xmlns:r="http://schemas.openxmlformats.org/officeDocument/2006/relationships" xmlns:p="http://schemas.openxmlformats.org/presentationml/2006/main">
-  <p:cSld>
-    <p:bg>
-      <p:bgPr>
-        <a:solidFill>
-          <a:srgbClr val="152B39"/>
-        </a:solidFill>
-        <a:effectLst/>
-      </p:bgPr>
-    </p:bg>
-    <p:spTree>
-      <p:nvGrpSpPr>
-        <p:cNvPr id="1" name=""/>
-        <p:cNvGrpSpPr/>
-        <p:nvPr/>
-      </p:nvGrpSpPr>
-      <p:grpSpPr>
-        <a:xfrm>
-          <a:off x="0" y="0"/>
-          <a:ext cx="0" cy="0"/>
-          <a:chOff x="0" y="0"/>
-          <a:chExt cx="0" cy="0"/>
-        </a:xfrm>
-      </p:grpSpPr>
-      <p:pic>
-        <p:nvPicPr>
-          <p:cNvPr id="4" name="그림 3"/>
-          <p:cNvPicPr>
-            <a:picLocks noChangeAspect="1"/>
-          </p:cNvPicPr>
-          <p:nvPr/>
-        </p:nvPicPr>
-        <p:blipFill rotWithShape="1">
-          <a:blip r:embed="rId3" cstate="print">
-            <a:extLst>
-              <a:ext uri="{BEBA8EAE-BF5A-486C-A8C5-ECC9F3942E4B}">
-                <a14:imgProps xmlns:a14="http://schemas.microsoft.com/office/drawing/2010/main">
-                  <a14:imgLayer r:embed="rId4">
-                    <a14:imgEffect>
-                      <a14:saturation sat="0"/>
-                    </a14:imgEffect>
-                  </a14:imgLayer>
-                </a14:imgProps>
-              </a:ext>
-              <a:ext uri="{28A0092B-C50C-407E-A947-70E740481C1C}">
-                <a14:useLocalDpi xmlns:a14="http://schemas.microsoft.com/office/drawing/2010/main" val="0"/>
-              </a:ext>
-            </a:extLst>
-          </a:blip>
-          <a:srcRect b="37031"/>
-          <a:stretch/>
-        </p:blipFill>
-        <p:spPr>
-          <a:xfrm>
-            <a:off x="0" y="869950"/>
-            <a:ext cx="12192000" cy="5118100"/>
-          </a:xfrm>
-          <a:prstGeom prst="rect">
-            <a:avLst/>
-          </a:prstGeom>
-        </p:spPr>
-      </p:pic>
-      <p:sp>
-        <p:nvSpPr>
-          <p:cNvPr id="2" name="직사각형 1"/>
-          <p:cNvSpPr/>
-          <p:nvPr/>
-        </p:nvSpPr>
-        <p:spPr>
-          <a:xfrm>
-            <a:off x="0" y="869950"/>
-            <a:ext cx="12192000" cy="5124450"/>
-          </a:xfrm>
-          <a:prstGeom prst="rect">
-            <a:avLst/>
-          </a:prstGeom>
-          <a:solidFill>
-            <a:srgbClr val="152B39">
-              <a:alpha val="66000"/>
-            </a:srgbClr>
-          </a:solidFill>
-          <a:ln>
-            <a:noFill/>
-          </a:ln>
-        </p:spPr>
-        <p:style>
-          <a:lnRef idx="2">
-            <a:schemeClr val="accent1">
-              <a:shade val="50000"/>
-            </a:schemeClr>
-          </a:lnRef>
-          <a:fillRef idx="1">
-            <a:schemeClr val="accent1"/>
-          </a:fillRef>
-          <a:effectRef idx="0">
-            <a:schemeClr val="accent1"/>
-          </a:effectRef>
-          <a:fontRef idx="minor">
-            <a:schemeClr val="lt1"/>
-          </a:fontRef>
-        </p:style>
-        <p:txBody>
-          <a:bodyPr rtlCol="0" anchor="ctr"/>
-          <a:lstStyle/>
-          <a:p>
-            <a:pPr algn="ctr"/>
-            <a:endParaRPr lang="ko-KR" altLang="en-US"/>
-          </a:p>
-        </p:txBody>
-      </p:sp>
-      <p:sp>
-        <p:nvSpPr>
-          <p:cNvPr id="3" name="TextBox 2"/>
-          <p:cNvSpPr txBox="1"/>
-          <p:nvPr/>
-        </p:nvSpPr>
-        <p:spPr>
-          <a:xfrm>
-            <a:off x="3142147" y="2946826"/>
-            <a:ext cx="877163" cy="830997"/>
-          </a:xfrm>
-          <a:prstGeom prst="rect">
-            <a:avLst/>
-          </a:prstGeom>
-          <a:noFill/>
-        </p:spPr>
-        <p:txBody>
-          <a:bodyPr wrap="none" rtlCol="0">
-            <a:spAutoFit/>
-          </a:bodyPr>
-          <a:lstStyle/>
-          <a:p>
-            <a:r>
-              <a:rPr lang="en-US" altLang="ko-KR" sz="4800">
-                <a:solidFill>
-                  <a:schemeClr val="bg1"/>
-                </a:solidFill>
-                <a:latin typeface="KoPub돋움체 Bold" panose="00000800000000000000" pitchFamily="2" charset="-127"/>
-                <a:ea typeface="KoPub돋움체 Bold" panose="00000800000000000000" pitchFamily="2" charset="-127"/>
-              </a:rPr>
-              <a:t>01</a:t>
-            </a:r>
-            <a:endParaRPr lang="ko-KR" altLang="en-US" sz="4800">
-              <a:solidFill>
-                <a:schemeClr val="bg1"/>
-              </a:solidFill>
-              <a:latin typeface="KoPub돋움체 Bold" panose="00000800000000000000" pitchFamily="2" charset="-127"/>
-              <a:ea typeface="KoPub돋움체 Bold" panose="00000800000000000000" pitchFamily="2" charset="-127"/>
-            </a:endParaRPr>
-          </a:p>
-        </p:txBody>
-      </p:sp>
-      <p:sp>
-        <p:nvSpPr>
-          <p:cNvPr id="7" name="TextBox 6"/>
-          <p:cNvSpPr txBox="1"/>
-          <p:nvPr/>
-        </p:nvSpPr>
-        <p:spPr>
-          <a:xfrm>
-            <a:off x="4019310" y="2946826"/>
-            <a:ext cx="5376793" cy="830997"/>
-          </a:xfrm>
-          <a:prstGeom prst="rect">
-            <a:avLst/>
-          </a:prstGeom>
-          <a:noFill/>
-        </p:spPr>
-        <p:txBody>
-          <a:bodyPr wrap="none" rtlCol="0">
-            <a:spAutoFit/>
-          </a:bodyPr>
-          <a:lstStyle/>
-          <a:p>
-            <a:r>
-              <a:rPr lang="en-US" altLang="ko-KR" sz="4800">
-                <a:solidFill>
-                  <a:schemeClr val="bg1"/>
-                </a:solidFill>
-                <a:latin typeface="KoPub돋움체 Bold" panose="00000800000000000000" pitchFamily="2" charset="-127"/>
-                <a:ea typeface="KoPub돋움체 Bold" panose="00000800000000000000" pitchFamily="2" charset="-127"/>
-              </a:rPr>
-              <a:t>SLIDE MAIN TITLE</a:t>
-            </a:r>
-            <a:endParaRPr lang="ko-KR" altLang="en-US" sz="4800">
-              <a:solidFill>
-                <a:schemeClr val="bg1"/>
-              </a:solidFill>
-              <a:latin typeface="KoPub돋움체 Bold" panose="00000800000000000000" pitchFamily="2" charset="-127"/>
-              <a:ea typeface="KoPub돋움체 Bold" panose="00000800000000000000" pitchFamily="2" charset="-127"/>
-            </a:endParaRPr>
-          </a:p>
-        </p:txBody>
-      </p:sp>
-      <p:cxnSp>
-        <p:nvCxnSpPr>
-          <p:cNvPr id="12" name="직선 연결선 11"/>
-          <p:cNvCxnSpPr/>
-          <p:nvPr/>
-        </p:nvCxnSpPr>
-        <p:spPr>
-          <a:xfrm>
-            <a:off x="0" y="3581490"/>
-            <a:ext cx="12192000" cy="0"/>
-          </a:xfrm>
-          <a:prstGeom prst="line">
-            <a:avLst/>
-          </a:prstGeom>
-          <a:ln>
-            <a:solidFill>
-              <a:schemeClr val="bg1"/>
-            </a:solidFill>
-          </a:ln>
-        </p:spPr>
-        <p:style>
-          <a:lnRef idx="1">
-            <a:schemeClr val="accent1"/>
-          </a:lnRef>
-          <a:fillRef idx="0">
-            <a:schemeClr val="accent1"/>
-          </a:fillRef>
-          <a:effectRef idx="0">
-            <a:schemeClr val="accent1"/>
-          </a:effectRef>
-          <a:fontRef idx="minor">
-            <a:schemeClr val="tx1"/>
-          </a:fontRef>
-        </p:style>
-      </p:cxnSp>
-      <p:sp>
-        <p:nvSpPr>
-          <p:cNvPr id="17" name="TextBox 16"/>
-          <p:cNvSpPr txBox="1"/>
-          <p:nvPr/>
-        </p:nvSpPr>
-        <p:spPr>
-          <a:xfrm>
-            <a:off x="5091559" y="3667217"/>
-            <a:ext cx="2008883" cy="369332"/>
-          </a:xfrm>
-          <a:prstGeom prst="rect">
-            <a:avLst/>
-          </a:prstGeom>
-          <a:noFill/>
-        </p:spPr>
-        <p:txBody>
-          <a:bodyPr wrap="none" rtlCol="0">
-            <a:spAutoFit/>
-          </a:bodyPr>
-          <a:lstStyle/>
-          <a:p>
-            <a:r>
-              <a:rPr lang="en-US" altLang="ko-KR">
-                <a:solidFill>
-                  <a:schemeClr val="bg1"/>
-                </a:solidFill>
-                <a:latin typeface="KoPub돋움체 Medium" panose="00000600000000000000" pitchFamily="2" charset="-127"/>
-                <a:ea typeface="KoPub돋움체 Medium" panose="00000600000000000000" pitchFamily="2" charset="-127"/>
-              </a:rPr>
-              <a:t>SLIDE SUB TITLE</a:t>
-            </a:r>
-            <a:endParaRPr lang="ko-KR" altLang="en-US">
-              <a:solidFill>
-                <a:schemeClr val="bg1"/>
-              </a:solidFill>
-              <a:latin typeface="KoPub돋움체 Medium" panose="00000600000000000000" pitchFamily="2" charset="-127"/>
-              <a:ea typeface="KoPub돋움체 Medium" panose="00000600000000000000" pitchFamily="2" charset="-127"/>
-            </a:endParaRPr>
-          </a:p>
-        </p:txBody>
-      </p:sp>
-    </p:spTree>
-    <p:extLst>
-      <p:ext uri="{BB962C8B-B14F-4D97-AF65-F5344CB8AC3E}">
-        <p14:creationId xmlns:p14="http://schemas.microsoft.com/office/powerpoint/2010/main" val="268174642"/>
-      </p:ext>
-    </p:extLst>
-  </p:cSld>
-  <p:clrMapOvr>
-    <a:overrideClrMapping bg1="lt1" tx1="dk1" bg2="lt2" tx2="dk2" accent1="accent1" accent2="accent2" accent3="accent3" accent4="accent4" accent5="accent5" accent6="accent6" hlink="hlink" folHlink="folHlink"/>
-  </p:clrMapOvr>
-</p:sld>
-</file>
-
-<file path=ppt/slides/slide7.xml><?xml version="1.0" encoding="utf-8"?>
-<p:sld xmlns:a="http://schemas.openxmlformats.org/drawingml/2006/main" xmlns:r="http://schemas.openxmlformats.org/officeDocument/2006/relationships" xmlns:p="http://schemas.openxmlformats.org/presentationml/2006/main">
-  <p:cSld>
-    <p:bg>
-      <p:bgPr>
-        <a:solidFill>
-          <a:srgbClr val="E7E6E6"/>
-        </a:solidFill>
-        <a:effectLst/>
-      </p:bgPr>
-    </p:bg>
-    <p:spTree>
-      <p:nvGrpSpPr>
-        <p:cNvPr id="1" name=""/>
-        <p:cNvGrpSpPr/>
-        <p:nvPr/>
-      </p:nvGrpSpPr>
-      <p:grpSpPr>
-        <a:xfrm>
-          <a:off x="0" y="0"/>
-          <a:ext cx="0" cy="0"/>
-          <a:chOff x="0" y="0"/>
-          <a:chExt cx="0" cy="0"/>
-        </a:xfrm>
-      </p:grpSpPr>
-      <p:sp>
-        <p:nvSpPr>
-          <p:cNvPr id="13" name="직사각형 12"/>
-          <p:cNvSpPr/>
-          <p:nvPr/>
-        </p:nvSpPr>
-        <p:spPr>
-          <a:xfrm>
-            <a:off x="0" y="0"/>
-            <a:ext cx="12192000" cy="800100"/>
-          </a:xfrm>
-          <a:prstGeom prst="rect">
-            <a:avLst/>
-          </a:prstGeom>
-          <a:solidFill>
-            <a:srgbClr val="152B39"/>
-          </a:solidFill>
-          <a:ln>
-            <a:noFill/>
-          </a:ln>
-        </p:spPr>
-        <p:style>
-          <a:lnRef idx="2">
-            <a:schemeClr val="accent1">
-              <a:shade val="50000"/>
-            </a:schemeClr>
-          </a:lnRef>
-          <a:fillRef idx="1">
-            <a:schemeClr val="accent1"/>
-          </a:fillRef>
-          <a:effectRef idx="0">
-            <a:schemeClr val="accent1"/>
-          </a:effectRef>
-          <a:fontRef idx="minor">
-            <a:schemeClr val="lt1"/>
-          </a:fontRef>
-        </p:style>
-        <p:txBody>
-          <a:bodyPr rtlCol="0" anchor="ctr"/>
-          <a:lstStyle/>
-          <a:p>
-            <a:pPr algn="ctr"/>
-            <a:endParaRPr lang="ko-KR" altLang="en-US"/>
-          </a:p>
-        </p:txBody>
-      </p:sp>
-      <p:sp>
-        <p:nvSpPr>
-          <p:cNvPr id="15" name="TextBox 14"/>
-          <p:cNvSpPr txBox="1"/>
-          <p:nvPr/>
-        </p:nvSpPr>
-        <p:spPr>
-          <a:xfrm>
-            <a:off x="3925374" y="81975"/>
-            <a:ext cx="4341253" cy="584775"/>
-          </a:xfrm>
-          <a:prstGeom prst="rect">
-            <a:avLst/>
-          </a:prstGeom>
-          <a:noFill/>
-        </p:spPr>
-        <p:txBody>
-          <a:bodyPr wrap="none" rtlCol="0">
-            <a:spAutoFit/>
-          </a:bodyPr>
-          <a:lstStyle/>
-          <a:p>
-            <a:r>
-              <a:rPr lang="en-US" altLang="ko-KR" sz="3200">
-                <a:solidFill>
-                  <a:schemeClr val="bg1"/>
-                </a:solidFill>
-                <a:latin typeface="KoPub돋움체 Bold" panose="00000800000000000000" pitchFamily="2" charset="-127"/>
-                <a:ea typeface="KoPub돋움체 Bold" panose="00000800000000000000" pitchFamily="2" charset="-127"/>
-              </a:rPr>
-              <a:t>01. SLIDE MAIN TITLE</a:t>
-            </a:r>
-            <a:endParaRPr lang="ko-KR" altLang="en-US" sz="3200">
-              <a:solidFill>
-                <a:schemeClr val="bg1"/>
-              </a:solidFill>
-              <a:latin typeface="KoPub돋움체 Bold" panose="00000800000000000000" pitchFamily="2" charset="-127"/>
-              <a:ea typeface="KoPub돋움체 Bold" panose="00000800000000000000" pitchFamily="2" charset="-127"/>
-            </a:endParaRPr>
-          </a:p>
-        </p:txBody>
-      </p:sp>
-      <p:pic>
-        <p:nvPicPr>
-          <p:cNvPr id="4" name="그림 3"/>
-          <p:cNvPicPr>
-            <a:picLocks noChangeAspect="1"/>
-          </p:cNvPicPr>
-          <p:nvPr/>
-        </p:nvPicPr>
-        <p:blipFill>
-          <a:blip r:embed="rId3" cstate="print">
-            <a:extLst>
-              <a:ext uri="{28A0092B-C50C-407E-A947-70E740481C1C}">
-                <a14:useLocalDpi xmlns:a14="http://schemas.microsoft.com/office/drawing/2010/main" val="0"/>
-              </a:ext>
-            </a:extLst>
-          </a:blip>
-          <a:stretch>
-            <a:fillRect/>
-          </a:stretch>
-        </p:blipFill>
-        <p:spPr>
-          <a:xfrm>
-            <a:off x="775545" y="4329296"/>
-            <a:ext cx="2348655" cy="1547960"/>
-          </a:xfrm>
-          <a:prstGeom prst="rect">
-            <a:avLst/>
-          </a:prstGeom>
-        </p:spPr>
-      </p:pic>
-      <p:pic>
-        <p:nvPicPr>
-          <p:cNvPr id="5" name="그림 4"/>
-          <p:cNvPicPr>
-            <a:picLocks noChangeAspect="1"/>
-          </p:cNvPicPr>
-          <p:nvPr/>
-        </p:nvPicPr>
-        <p:blipFill>
-          <a:blip r:embed="rId4" cstate="print">
-            <a:extLst>
-              <a:ext uri="{28A0092B-C50C-407E-A947-70E740481C1C}">
-                <a14:useLocalDpi xmlns:a14="http://schemas.microsoft.com/office/drawing/2010/main" val="0"/>
-              </a:ext>
-            </a:extLst>
-          </a:blip>
-          <a:stretch>
-            <a:fillRect/>
-          </a:stretch>
-        </p:blipFill>
-        <p:spPr>
-          <a:xfrm>
-            <a:off x="6485590" y="2005196"/>
-            <a:ext cx="2350077" cy="1544060"/>
-          </a:xfrm>
-          <a:prstGeom prst="rect">
-            <a:avLst/>
-          </a:prstGeom>
-        </p:spPr>
-      </p:pic>
-      <p:pic>
-        <p:nvPicPr>
-          <p:cNvPr id="6" name="그림 5"/>
-          <p:cNvPicPr>
-            <a:picLocks noChangeAspect="1"/>
-          </p:cNvPicPr>
-          <p:nvPr/>
-        </p:nvPicPr>
-        <p:blipFill>
-          <a:blip r:embed="rId5" cstate="print">
-            <a:extLst>
-              <a:ext uri="{28A0092B-C50C-407E-A947-70E740481C1C}">
-                <a14:useLocalDpi xmlns:a14="http://schemas.microsoft.com/office/drawing/2010/main" val="0"/>
-              </a:ext>
-            </a:extLst>
-          </a:blip>
-          <a:stretch>
-            <a:fillRect/>
-          </a:stretch>
-        </p:blipFill>
-        <p:spPr>
-          <a:xfrm>
-            <a:off x="775545" y="1989995"/>
-            <a:ext cx="2348655" cy="1565770"/>
-          </a:xfrm>
-          <a:prstGeom prst="rect">
-            <a:avLst/>
-          </a:prstGeom>
-        </p:spPr>
-      </p:pic>
-      <p:pic>
-        <p:nvPicPr>
-          <p:cNvPr id="7" name="그림 6"/>
-          <p:cNvPicPr>
-            <a:picLocks noChangeAspect="1"/>
-          </p:cNvPicPr>
-          <p:nvPr/>
-        </p:nvPicPr>
-        <p:blipFill>
-          <a:blip r:embed="rId6" cstate="print">
-            <a:extLst>
-              <a:ext uri="{28A0092B-C50C-407E-A947-70E740481C1C}">
-                <a14:useLocalDpi xmlns:a14="http://schemas.microsoft.com/office/drawing/2010/main" val="0"/>
-              </a:ext>
-            </a:extLst>
-          </a:blip>
-          <a:stretch>
-            <a:fillRect/>
-          </a:stretch>
-        </p:blipFill>
-        <p:spPr>
-          <a:xfrm>
-            <a:off x="6485590" y="4308970"/>
-            <a:ext cx="2350077" cy="1566107"/>
-          </a:xfrm>
-          <a:prstGeom prst="rect">
-            <a:avLst/>
-          </a:prstGeom>
-        </p:spPr>
-      </p:pic>
-      <p:sp>
-        <p:nvSpPr>
-          <p:cNvPr id="8" name="직사각형 7"/>
-          <p:cNvSpPr/>
-          <p:nvPr/>
-        </p:nvSpPr>
-        <p:spPr>
-          <a:xfrm>
-            <a:off x="3430075" y="2144556"/>
-            <a:ext cx="2027750" cy="365204"/>
-          </a:xfrm>
-          <a:prstGeom prst="rect">
-            <a:avLst/>
-          </a:prstGeom>
-          <a:solidFill>
-            <a:srgbClr val="152B39"/>
-          </a:solidFill>
-          <a:ln>
-            <a:noFill/>
-          </a:ln>
-        </p:spPr>
-        <p:style>
-          <a:lnRef idx="2">
-            <a:schemeClr val="accent1">
-              <a:shade val="50000"/>
-            </a:schemeClr>
-          </a:lnRef>
-          <a:fillRef idx="1">
-            <a:schemeClr val="accent1"/>
-          </a:fillRef>
-          <a:effectRef idx="0">
-            <a:schemeClr val="accent1"/>
-          </a:effectRef>
-          <a:fontRef idx="minor">
-            <a:schemeClr val="lt1"/>
-          </a:fontRef>
-        </p:style>
-        <p:txBody>
-          <a:bodyPr rtlCol="0" anchor="ctr"/>
-          <a:lstStyle/>
-          <a:p>
-            <a:pPr algn="ctr"/>
-            <a:endParaRPr lang="ko-KR" altLang="en-US"/>
-          </a:p>
-        </p:txBody>
-      </p:sp>
-      <p:sp>
-        <p:nvSpPr>
-          <p:cNvPr id="9" name="TextBox 8"/>
-          <p:cNvSpPr txBox="1"/>
-          <p:nvPr/>
-        </p:nvSpPr>
-        <p:spPr>
-          <a:xfrm>
-            <a:off x="3470674" y="2140428"/>
-            <a:ext cx="1859805" cy="338554"/>
-          </a:xfrm>
-          <a:prstGeom prst="rect">
-            <a:avLst/>
-          </a:prstGeom>
-          <a:noFill/>
-        </p:spPr>
-        <p:txBody>
-          <a:bodyPr wrap="none" rtlCol="0">
-            <a:spAutoFit/>
-          </a:bodyPr>
-          <a:lstStyle/>
-          <a:p>
-            <a:r>
-              <a:rPr lang="ko-KR" altLang="en-US" sz="1600">
-                <a:ln>
-                  <a:solidFill>
-                    <a:schemeClr val="bg1">
-                      <a:alpha val="15000"/>
-                    </a:schemeClr>
-                  </a:solidFill>
-                </a:ln>
-                <a:solidFill>
-                  <a:schemeClr val="bg1"/>
-                </a:solidFill>
-                <a:latin typeface="KoPub돋움체 Medium" panose="00000600000000000000" pitchFamily="2" charset="-127"/>
-                <a:ea typeface="KoPub돋움체 Medium" panose="00000600000000000000" pitchFamily="2" charset="-127"/>
-              </a:rPr>
-              <a:t>내용을 입력해주세요</a:t>
-            </a:r>
-          </a:p>
-        </p:txBody>
-      </p:sp>
-      <p:sp>
-        <p:nvSpPr>
-          <p:cNvPr id="10" name="TextBox 9"/>
-          <p:cNvSpPr txBox="1"/>
-          <p:nvPr/>
-        </p:nvSpPr>
-        <p:spPr>
-          <a:xfrm>
-            <a:off x="3470674" y="2603581"/>
-            <a:ext cx="1890261" cy="276999"/>
-          </a:xfrm>
-          <a:prstGeom prst="rect">
-            <a:avLst/>
-          </a:prstGeom>
-          <a:noFill/>
-        </p:spPr>
-        <p:txBody>
-          <a:bodyPr wrap="none" rtlCol="0">
-            <a:spAutoFit/>
-          </a:bodyPr>
-          <a:lstStyle/>
-          <a:p>
-            <a:r>
-              <a:rPr lang="ko-KR" altLang="en-US" sz="1200">
-                <a:ln>
-                  <a:solidFill>
-                    <a:schemeClr val="tx1">
-                      <a:lumMod val="75000"/>
-                      <a:lumOff val="25000"/>
-                      <a:alpha val="15000"/>
-                    </a:schemeClr>
-                  </a:solidFill>
-                </a:ln>
-                <a:solidFill>
-                  <a:schemeClr val="tx1">
-                    <a:lumMod val="75000"/>
-                    <a:lumOff val="25000"/>
-                  </a:schemeClr>
-                </a:solidFill>
-                <a:latin typeface="KoPub돋움체 Medium" panose="00000600000000000000" pitchFamily="2" charset="-127"/>
-                <a:ea typeface="KoPub돋움체 Medium" panose="00000600000000000000" pitchFamily="2" charset="-127"/>
-              </a:rPr>
-              <a:t>여기에 내용을 입력해주세요</a:t>
-            </a:r>
-          </a:p>
-        </p:txBody>
-      </p:sp>
-      <p:sp>
-        <p:nvSpPr>
-          <p:cNvPr id="11" name="TextBox 10"/>
-          <p:cNvSpPr txBox="1"/>
-          <p:nvPr/>
-        </p:nvSpPr>
-        <p:spPr>
-          <a:xfrm>
-            <a:off x="3470674" y="2879725"/>
-            <a:ext cx="1890261" cy="276999"/>
-          </a:xfrm>
-          <a:prstGeom prst="rect">
-            <a:avLst/>
-          </a:prstGeom>
-          <a:noFill/>
-        </p:spPr>
-        <p:txBody>
-          <a:bodyPr wrap="none" rtlCol="0">
-            <a:spAutoFit/>
-          </a:bodyPr>
-          <a:lstStyle/>
-          <a:p>
-            <a:r>
-              <a:rPr lang="ko-KR" altLang="en-US" sz="1200">
-                <a:ln>
-                  <a:solidFill>
-                    <a:schemeClr val="tx1">
-                      <a:lumMod val="75000"/>
-                      <a:lumOff val="25000"/>
-                      <a:alpha val="15000"/>
-                    </a:schemeClr>
-                  </a:solidFill>
-                </a:ln>
-                <a:solidFill>
-                  <a:schemeClr val="tx1">
-                    <a:lumMod val="75000"/>
-                    <a:lumOff val="25000"/>
-                  </a:schemeClr>
-                </a:solidFill>
-                <a:latin typeface="KoPub돋움체 Medium" panose="00000600000000000000" pitchFamily="2" charset="-127"/>
-                <a:ea typeface="KoPub돋움체 Medium" panose="00000600000000000000" pitchFamily="2" charset="-127"/>
-              </a:rPr>
-              <a:t>여기에 내용을 입력해주세요</a:t>
-            </a:r>
-          </a:p>
-        </p:txBody>
-      </p:sp>
-      <p:sp>
-        <p:nvSpPr>
-          <p:cNvPr id="12" name="직사각형 11"/>
-          <p:cNvSpPr/>
-          <p:nvPr/>
-        </p:nvSpPr>
-        <p:spPr>
-          <a:xfrm>
-            <a:off x="3430075" y="4570256"/>
-            <a:ext cx="2027750" cy="365204"/>
-          </a:xfrm>
-          <a:prstGeom prst="rect">
-            <a:avLst/>
-          </a:prstGeom>
-          <a:solidFill>
-            <a:srgbClr val="152B39"/>
-          </a:solidFill>
-          <a:ln>
-            <a:noFill/>
-          </a:ln>
-        </p:spPr>
-        <p:style>
-          <a:lnRef idx="2">
-            <a:schemeClr val="accent1">
-              <a:shade val="50000"/>
-            </a:schemeClr>
-          </a:lnRef>
-          <a:fillRef idx="1">
-            <a:schemeClr val="accent1"/>
-          </a:fillRef>
-          <a:effectRef idx="0">
-            <a:schemeClr val="accent1"/>
-          </a:effectRef>
-          <a:fontRef idx="minor">
-            <a:schemeClr val="lt1"/>
-          </a:fontRef>
-        </p:style>
-        <p:txBody>
-          <a:bodyPr rtlCol="0" anchor="ctr"/>
-          <a:lstStyle/>
-          <a:p>
-            <a:pPr algn="ctr"/>
-            <a:endParaRPr lang="ko-KR" altLang="en-US"/>
-          </a:p>
-        </p:txBody>
-      </p:sp>
-      <p:sp>
-        <p:nvSpPr>
-          <p:cNvPr id="14" name="TextBox 13"/>
-          <p:cNvSpPr txBox="1"/>
-          <p:nvPr/>
-        </p:nvSpPr>
-        <p:spPr>
-          <a:xfrm>
-            <a:off x="3470674" y="4566128"/>
-            <a:ext cx="1859805" cy="338554"/>
-          </a:xfrm>
-          <a:prstGeom prst="rect">
-            <a:avLst/>
-          </a:prstGeom>
-          <a:noFill/>
-        </p:spPr>
-        <p:txBody>
-          <a:bodyPr wrap="none" rtlCol="0">
-            <a:spAutoFit/>
-          </a:bodyPr>
-          <a:lstStyle/>
-          <a:p>
-            <a:r>
-              <a:rPr lang="ko-KR" altLang="en-US" sz="1600">
-                <a:ln>
-                  <a:solidFill>
-                    <a:schemeClr val="bg1">
-                      <a:alpha val="15000"/>
-                    </a:schemeClr>
-                  </a:solidFill>
-                </a:ln>
-                <a:solidFill>
-                  <a:schemeClr val="bg1"/>
-                </a:solidFill>
-                <a:latin typeface="KoPub돋움체 Medium" panose="00000600000000000000" pitchFamily="2" charset="-127"/>
-                <a:ea typeface="KoPub돋움체 Medium" panose="00000600000000000000" pitchFamily="2" charset="-127"/>
-              </a:rPr>
-              <a:t>내용을 입력해주세요</a:t>
-            </a:r>
-          </a:p>
-        </p:txBody>
-      </p:sp>
-      <p:sp>
-        <p:nvSpPr>
-          <p:cNvPr id="16" name="TextBox 15"/>
-          <p:cNvSpPr txBox="1"/>
-          <p:nvPr/>
-        </p:nvSpPr>
-        <p:spPr>
-          <a:xfrm>
-            <a:off x="3470674" y="5029281"/>
-            <a:ext cx="1890261" cy="276999"/>
-          </a:xfrm>
-          <a:prstGeom prst="rect">
-            <a:avLst/>
-          </a:prstGeom>
-          <a:noFill/>
-        </p:spPr>
-        <p:txBody>
-          <a:bodyPr wrap="none" rtlCol="0">
-            <a:spAutoFit/>
-          </a:bodyPr>
-          <a:lstStyle/>
-          <a:p>
-            <a:r>
-              <a:rPr lang="ko-KR" altLang="en-US" sz="1200">
-                <a:ln>
-                  <a:solidFill>
-                    <a:schemeClr val="tx1">
-                      <a:lumMod val="75000"/>
-                      <a:lumOff val="25000"/>
-                      <a:alpha val="15000"/>
-                    </a:schemeClr>
-                  </a:solidFill>
-                </a:ln>
-                <a:solidFill>
-                  <a:schemeClr val="tx1">
-                    <a:lumMod val="75000"/>
-                    <a:lumOff val="25000"/>
-                  </a:schemeClr>
-                </a:solidFill>
-                <a:latin typeface="KoPub돋움체 Medium" panose="00000600000000000000" pitchFamily="2" charset="-127"/>
-                <a:ea typeface="KoPub돋움체 Medium" panose="00000600000000000000" pitchFamily="2" charset="-127"/>
-              </a:rPr>
-              <a:t>여기에 내용을 입력해주세요</a:t>
-            </a:r>
-          </a:p>
-        </p:txBody>
-      </p:sp>
-      <p:sp>
-        <p:nvSpPr>
-          <p:cNvPr id="17" name="TextBox 16"/>
-          <p:cNvSpPr txBox="1"/>
-          <p:nvPr/>
-        </p:nvSpPr>
-        <p:spPr>
-          <a:xfrm>
-            <a:off x="3470674" y="5305425"/>
-            <a:ext cx="1890261" cy="276999"/>
-          </a:xfrm>
-          <a:prstGeom prst="rect">
-            <a:avLst/>
-          </a:prstGeom>
-          <a:noFill/>
-        </p:spPr>
-        <p:txBody>
-          <a:bodyPr wrap="none" rtlCol="0">
-            <a:spAutoFit/>
-          </a:bodyPr>
-          <a:lstStyle/>
-          <a:p>
-            <a:r>
-              <a:rPr lang="ko-KR" altLang="en-US" sz="1200">
-                <a:ln>
-                  <a:solidFill>
-                    <a:schemeClr val="tx1">
-                      <a:lumMod val="75000"/>
-                      <a:lumOff val="25000"/>
-                      <a:alpha val="15000"/>
-                    </a:schemeClr>
-                  </a:solidFill>
-                </a:ln>
-                <a:solidFill>
-                  <a:schemeClr val="tx1">
-                    <a:lumMod val="75000"/>
-                    <a:lumOff val="25000"/>
-                  </a:schemeClr>
-                </a:solidFill>
-                <a:latin typeface="KoPub돋움체 Medium" panose="00000600000000000000" pitchFamily="2" charset="-127"/>
-                <a:ea typeface="KoPub돋움체 Medium" panose="00000600000000000000" pitchFamily="2" charset="-127"/>
-              </a:rPr>
-              <a:t>여기에 내용을 입력해주세요</a:t>
-            </a:r>
-          </a:p>
-        </p:txBody>
-      </p:sp>
-      <p:sp>
-        <p:nvSpPr>
-          <p:cNvPr id="18" name="직사각형 17"/>
-          <p:cNvSpPr/>
-          <p:nvPr/>
-        </p:nvSpPr>
-        <p:spPr>
-          <a:xfrm>
-            <a:off x="9183175" y="2144556"/>
-            <a:ext cx="2027750" cy="365204"/>
-          </a:xfrm>
-          <a:prstGeom prst="rect">
-            <a:avLst/>
-          </a:prstGeom>
-          <a:solidFill>
-            <a:srgbClr val="152B39"/>
-          </a:solidFill>
-          <a:ln>
-            <a:noFill/>
-          </a:ln>
-        </p:spPr>
-        <p:style>
-          <a:lnRef idx="2">
-            <a:schemeClr val="accent1">
-              <a:shade val="50000"/>
-            </a:schemeClr>
-          </a:lnRef>
-          <a:fillRef idx="1">
-            <a:schemeClr val="accent1"/>
-          </a:fillRef>
-          <a:effectRef idx="0">
-            <a:schemeClr val="accent1"/>
-          </a:effectRef>
-          <a:fontRef idx="minor">
-            <a:schemeClr val="lt1"/>
-          </a:fontRef>
-        </p:style>
-        <p:txBody>
-          <a:bodyPr rtlCol="0" anchor="ctr"/>
-          <a:lstStyle/>
-          <a:p>
-            <a:pPr algn="ctr"/>
-            <a:endParaRPr lang="ko-KR" altLang="en-US"/>
-          </a:p>
-        </p:txBody>
-      </p:sp>
-      <p:sp>
-        <p:nvSpPr>
-          <p:cNvPr id="19" name="TextBox 18"/>
-          <p:cNvSpPr txBox="1"/>
-          <p:nvPr/>
-        </p:nvSpPr>
-        <p:spPr>
-          <a:xfrm>
-            <a:off x="9223774" y="2140428"/>
-            <a:ext cx="1859805" cy="338554"/>
-          </a:xfrm>
-          <a:prstGeom prst="rect">
-            <a:avLst/>
-          </a:prstGeom>
-          <a:noFill/>
-        </p:spPr>
-        <p:txBody>
-          <a:bodyPr wrap="none" rtlCol="0">
-            <a:spAutoFit/>
-          </a:bodyPr>
-          <a:lstStyle/>
-          <a:p>
-            <a:r>
-              <a:rPr lang="ko-KR" altLang="en-US" sz="1600">
-                <a:ln>
-                  <a:solidFill>
-                    <a:schemeClr val="bg1">
-                      <a:alpha val="15000"/>
-                    </a:schemeClr>
-                  </a:solidFill>
-                </a:ln>
-                <a:solidFill>
-                  <a:schemeClr val="bg1"/>
-                </a:solidFill>
-                <a:latin typeface="KoPub돋움체 Medium" panose="00000600000000000000" pitchFamily="2" charset="-127"/>
-                <a:ea typeface="KoPub돋움체 Medium" panose="00000600000000000000" pitchFamily="2" charset="-127"/>
-              </a:rPr>
-              <a:t>내용을 입력해주세요</a:t>
-            </a:r>
-          </a:p>
-        </p:txBody>
-      </p:sp>
-      <p:sp>
-        <p:nvSpPr>
-          <p:cNvPr id="20" name="TextBox 19"/>
-          <p:cNvSpPr txBox="1"/>
-          <p:nvPr/>
-        </p:nvSpPr>
-        <p:spPr>
-          <a:xfrm>
-            <a:off x="9223774" y="2603581"/>
-            <a:ext cx="1890261" cy="276999"/>
-          </a:xfrm>
-          <a:prstGeom prst="rect">
-            <a:avLst/>
-          </a:prstGeom>
-          <a:noFill/>
-        </p:spPr>
-        <p:txBody>
-          <a:bodyPr wrap="none" rtlCol="0">
-            <a:spAutoFit/>
-          </a:bodyPr>
-          <a:lstStyle/>
-          <a:p>
-            <a:r>
-              <a:rPr lang="ko-KR" altLang="en-US" sz="1200">
-                <a:ln>
-                  <a:solidFill>
-                    <a:schemeClr val="tx1">
-                      <a:lumMod val="75000"/>
-                      <a:lumOff val="25000"/>
-                      <a:alpha val="15000"/>
-                    </a:schemeClr>
-                  </a:solidFill>
-                </a:ln>
-                <a:solidFill>
-                  <a:schemeClr val="tx1">
-                    <a:lumMod val="75000"/>
-                    <a:lumOff val="25000"/>
-                  </a:schemeClr>
-                </a:solidFill>
-                <a:latin typeface="KoPub돋움체 Medium" panose="00000600000000000000" pitchFamily="2" charset="-127"/>
-                <a:ea typeface="KoPub돋움체 Medium" panose="00000600000000000000" pitchFamily="2" charset="-127"/>
-              </a:rPr>
-              <a:t>여기에 내용을 입력해주세요</a:t>
-            </a:r>
-          </a:p>
-        </p:txBody>
-      </p:sp>
-      <p:sp>
-        <p:nvSpPr>
-          <p:cNvPr id="21" name="TextBox 20"/>
-          <p:cNvSpPr txBox="1"/>
-          <p:nvPr/>
-        </p:nvSpPr>
-        <p:spPr>
-          <a:xfrm>
-            <a:off x="9223774" y="2879725"/>
-            <a:ext cx="1890261" cy="276999"/>
-          </a:xfrm>
-          <a:prstGeom prst="rect">
-            <a:avLst/>
-          </a:prstGeom>
-          <a:noFill/>
-        </p:spPr>
-        <p:txBody>
-          <a:bodyPr wrap="none" rtlCol="0">
-            <a:spAutoFit/>
-          </a:bodyPr>
-          <a:lstStyle/>
-          <a:p>
-            <a:r>
-              <a:rPr lang="ko-KR" altLang="en-US" sz="1200">
-                <a:ln>
-                  <a:solidFill>
-                    <a:schemeClr val="tx1">
-                      <a:lumMod val="75000"/>
-                      <a:lumOff val="25000"/>
-                      <a:alpha val="15000"/>
-                    </a:schemeClr>
-                  </a:solidFill>
-                </a:ln>
-                <a:solidFill>
-                  <a:schemeClr val="tx1">
-                    <a:lumMod val="75000"/>
-                    <a:lumOff val="25000"/>
-                  </a:schemeClr>
-                </a:solidFill>
-                <a:latin typeface="KoPub돋움체 Medium" panose="00000600000000000000" pitchFamily="2" charset="-127"/>
-                <a:ea typeface="KoPub돋움체 Medium" panose="00000600000000000000" pitchFamily="2" charset="-127"/>
-              </a:rPr>
-              <a:t>여기에 내용을 입력해주세요</a:t>
-            </a:r>
-          </a:p>
-        </p:txBody>
-      </p:sp>
-      <p:sp>
-        <p:nvSpPr>
-          <p:cNvPr id="22" name="직사각형 21"/>
-          <p:cNvSpPr/>
-          <p:nvPr/>
-        </p:nvSpPr>
-        <p:spPr>
-          <a:xfrm>
-            <a:off x="9183175" y="4570256"/>
-            <a:ext cx="2027750" cy="365204"/>
-          </a:xfrm>
-          <a:prstGeom prst="rect">
-            <a:avLst/>
-          </a:prstGeom>
-          <a:solidFill>
-            <a:srgbClr val="152B39"/>
-          </a:solidFill>
-          <a:ln>
-            <a:noFill/>
-          </a:ln>
-        </p:spPr>
-        <p:style>
-          <a:lnRef idx="2">
-            <a:schemeClr val="accent1">
-              <a:shade val="50000"/>
-            </a:schemeClr>
-          </a:lnRef>
-          <a:fillRef idx="1">
-            <a:schemeClr val="accent1"/>
-          </a:fillRef>
-          <a:effectRef idx="0">
-            <a:schemeClr val="accent1"/>
-          </a:effectRef>
-          <a:fontRef idx="minor">
-            <a:schemeClr val="lt1"/>
-          </a:fontRef>
-        </p:style>
-        <p:txBody>
-          <a:bodyPr rtlCol="0" anchor="ctr"/>
-          <a:lstStyle/>
-          <a:p>
-            <a:pPr algn="ctr"/>
-            <a:endParaRPr lang="ko-KR" altLang="en-US"/>
-          </a:p>
-        </p:txBody>
-      </p:sp>
-      <p:sp>
-        <p:nvSpPr>
-          <p:cNvPr id="23" name="TextBox 22"/>
-          <p:cNvSpPr txBox="1"/>
-          <p:nvPr/>
-        </p:nvSpPr>
-        <p:spPr>
-          <a:xfrm>
-            <a:off x="9223774" y="4566128"/>
-            <a:ext cx="1859805" cy="338554"/>
-          </a:xfrm>
-          <a:prstGeom prst="rect">
-            <a:avLst/>
-          </a:prstGeom>
-          <a:noFill/>
-        </p:spPr>
-        <p:txBody>
-          <a:bodyPr wrap="none" rtlCol="0">
-            <a:spAutoFit/>
-          </a:bodyPr>
-          <a:lstStyle/>
-          <a:p>
-            <a:r>
-              <a:rPr lang="ko-KR" altLang="en-US" sz="1600">
-                <a:ln>
-                  <a:solidFill>
-                    <a:schemeClr val="bg1">
-                      <a:alpha val="15000"/>
-                    </a:schemeClr>
-                  </a:solidFill>
-                </a:ln>
-                <a:solidFill>
-                  <a:schemeClr val="bg1"/>
-                </a:solidFill>
-                <a:latin typeface="KoPub돋움체 Medium" panose="00000600000000000000" pitchFamily="2" charset="-127"/>
-                <a:ea typeface="KoPub돋움체 Medium" panose="00000600000000000000" pitchFamily="2" charset="-127"/>
-              </a:rPr>
-              <a:t>내용을 입력해주세요</a:t>
-            </a:r>
-          </a:p>
-        </p:txBody>
-      </p:sp>
-      <p:sp>
-        <p:nvSpPr>
-          <p:cNvPr id="24" name="TextBox 23"/>
-          <p:cNvSpPr txBox="1"/>
-          <p:nvPr/>
-        </p:nvSpPr>
-        <p:spPr>
-          <a:xfrm>
-            <a:off x="9223774" y="5029281"/>
-            <a:ext cx="1890261" cy="276999"/>
-          </a:xfrm>
-          <a:prstGeom prst="rect">
-            <a:avLst/>
-          </a:prstGeom>
-          <a:noFill/>
-        </p:spPr>
-        <p:txBody>
-          <a:bodyPr wrap="none" rtlCol="0">
-            <a:spAutoFit/>
-          </a:bodyPr>
-          <a:lstStyle/>
-          <a:p>
-            <a:r>
-              <a:rPr lang="ko-KR" altLang="en-US" sz="1200">
-                <a:ln>
-                  <a:solidFill>
-                    <a:schemeClr val="tx1">
-                      <a:lumMod val="75000"/>
-                      <a:lumOff val="25000"/>
-                      <a:alpha val="15000"/>
-                    </a:schemeClr>
-                  </a:solidFill>
-                </a:ln>
-                <a:solidFill>
-                  <a:schemeClr val="tx1">
-                    <a:lumMod val="75000"/>
-                    <a:lumOff val="25000"/>
-                  </a:schemeClr>
-                </a:solidFill>
-                <a:latin typeface="KoPub돋움체 Medium" panose="00000600000000000000" pitchFamily="2" charset="-127"/>
-                <a:ea typeface="KoPub돋움체 Medium" panose="00000600000000000000" pitchFamily="2" charset="-127"/>
-              </a:rPr>
-              <a:t>여기에 내용을 입력해주세요</a:t>
-            </a:r>
-          </a:p>
-        </p:txBody>
-      </p:sp>
-      <p:sp>
-        <p:nvSpPr>
-          <p:cNvPr id="25" name="TextBox 24"/>
-          <p:cNvSpPr txBox="1"/>
-          <p:nvPr/>
-        </p:nvSpPr>
-        <p:spPr>
-          <a:xfrm>
-            <a:off x="9223774" y="5305425"/>
-            <a:ext cx="1890261" cy="276999"/>
-          </a:xfrm>
-          <a:prstGeom prst="rect">
-            <a:avLst/>
-          </a:prstGeom>
-          <a:noFill/>
-        </p:spPr>
-        <p:txBody>
-          <a:bodyPr wrap="none" rtlCol="0">
-            <a:spAutoFit/>
-          </a:bodyPr>
-          <a:lstStyle/>
-          <a:p>
-            <a:r>
-              <a:rPr lang="ko-KR" altLang="en-US" sz="1200">
-                <a:ln>
-                  <a:solidFill>
-                    <a:schemeClr val="tx1">
-                      <a:lumMod val="75000"/>
-                      <a:lumOff val="25000"/>
-                      <a:alpha val="15000"/>
-                    </a:schemeClr>
-                  </a:solidFill>
-                </a:ln>
-                <a:solidFill>
-                  <a:schemeClr val="tx1">
-                    <a:lumMod val="75000"/>
-                    <a:lumOff val="25000"/>
-                  </a:schemeClr>
-                </a:solidFill>
-                <a:latin typeface="KoPub돋움체 Medium" panose="00000600000000000000" pitchFamily="2" charset="-127"/>
-                <a:ea typeface="KoPub돋움체 Medium" panose="00000600000000000000" pitchFamily="2" charset="-127"/>
-              </a:rPr>
-              <a:t>여기에 내용을 입력해주세요</a:t>
-            </a:r>
-          </a:p>
-        </p:txBody>
-      </p:sp>
-      <p:sp>
-        <p:nvSpPr>
-          <p:cNvPr id="29" name="TextBox 28"/>
-          <p:cNvSpPr txBox="1"/>
-          <p:nvPr/>
-        </p:nvSpPr>
-        <p:spPr>
-          <a:xfrm>
-            <a:off x="3470674" y="3166802"/>
-            <a:ext cx="1890261" cy="276999"/>
-          </a:xfrm>
-          <a:prstGeom prst="rect">
-            <a:avLst/>
-          </a:prstGeom>
-          <a:noFill/>
-        </p:spPr>
-        <p:txBody>
-          <a:bodyPr wrap="none" rtlCol="0">
-            <a:spAutoFit/>
-          </a:bodyPr>
-          <a:lstStyle/>
-          <a:p>
-            <a:r>
-              <a:rPr lang="ko-KR" altLang="en-US" sz="1200">
-                <a:ln>
-                  <a:solidFill>
-                    <a:schemeClr val="tx1">
-                      <a:lumMod val="75000"/>
-                      <a:lumOff val="25000"/>
-                      <a:alpha val="15000"/>
-                    </a:schemeClr>
-                  </a:solidFill>
-                </a:ln>
-                <a:solidFill>
-                  <a:schemeClr val="tx1">
-                    <a:lumMod val="75000"/>
-                    <a:lumOff val="25000"/>
-                  </a:schemeClr>
-                </a:solidFill>
-                <a:latin typeface="KoPub돋움체 Medium" panose="00000600000000000000" pitchFamily="2" charset="-127"/>
-                <a:ea typeface="KoPub돋움체 Medium" panose="00000600000000000000" pitchFamily="2" charset="-127"/>
-              </a:rPr>
-              <a:t>여기에 내용을 입력해주세요</a:t>
-            </a:r>
-          </a:p>
-        </p:txBody>
-      </p:sp>
-      <p:sp>
-        <p:nvSpPr>
-          <p:cNvPr id="30" name="TextBox 29"/>
-          <p:cNvSpPr txBox="1"/>
-          <p:nvPr/>
-        </p:nvSpPr>
-        <p:spPr>
-          <a:xfrm>
-            <a:off x="3470674" y="5592502"/>
-            <a:ext cx="1890261" cy="276999"/>
-          </a:xfrm>
-          <a:prstGeom prst="rect">
-            <a:avLst/>
-          </a:prstGeom>
-          <a:noFill/>
-        </p:spPr>
-        <p:txBody>
-          <a:bodyPr wrap="none" rtlCol="0">
-            <a:spAutoFit/>
-          </a:bodyPr>
-          <a:lstStyle/>
-          <a:p>
-            <a:r>
-              <a:rPr lang="ko-KR" altLang="en-US" sz="1200">
-                <a:ln>
-                  <a:solidFill>
-                    <a:schemeClr val="tx1">
-                      <a:lumMod val="75000"/>
-                      <a:lumOff val="25000"/>
-                      <a:alpha val="15000"/>
-                    </a:schemeClr>
-                  </a:solidFill>
-                </a:ln>
-                <a:solidFill>
-                  <a:schemeClr val="tx1">
-                    <a:lumMod val="75000"/>
-                    <a:lumOff val="25000"/>
-                  </a:schemeClr>
-                </a:solidFill>
-                <a:latin typeface="KoPub돋움체 Medium" panose="00000600000000000000" pitchFamily="2" charset="-127"/>
-                <a:ea typeface="KoPub돋움체 Medium" panose="00000600000000000000" pitchFamily="2" charset="-127"/>
-              </a:rPr>
-              <a:t>여기에 내용을 입력해주세요</a:t>
-            </a:r>
-          </a:p>
-        </p:txBody>
-      </p:sp>
-      <p:sp>
-        <p:nvSpPr>
-          <p:cNvPr id="31" name="TextBox 30"/>
-          <p:cNvSpPr txBox="1"/>
-          <p:nvPr/>
-        </p:nvSpPr>
-        <p:spPr>
-          <a:xfrm>
-            <a:off x="9223774" y="3166802"/>
-            <a:ext cx="1890261" cy="276999"/>
-          </a:xfrm>
-          <a:prstGeom prst="rect">
-            <a:avLst/>
-          </a:prstGeom>
-          <a:noFill/>
-        </p:spPr>
-        <p:txBody>
-          <a:bodyPr wrap="none" rtlCol="0">
-            <a:spAutoFit/>
-          </a:bodyPr>
-          <a:lstStyle/>
-          <a:p>
-            <a:r>
-              <a:rPr lang="ko-KR" altLang="en-US" sz="1200">
-                <a:ln>
-                  <a:solidFill>
-                    <a:schemeClr val="tx1">
-                      <a:lumMod val="75000"/>
-                      <a:lumOff val="25000"/>
-                      <a:alpha val="15000"/>
-                    </a:schemeClr>
-                  </a:solidFill>
-                </a:ln>
-                <a:solidFill>
-                  <a:schemeClr val="tx1">
-                    <a:lumMod val="75000"/>
-                    <a:lumOff val="25000"/>
-                  </a:schemeClr>
-                </a:solidFill>
-                <a:latin typeface="KoPub돋움체 Medium" panose="00000600000000000000" pitchFamily="2" charset="-127"/>
-                <a:ea typeface="KoPub돋움체 Medium" panose="00000600000000000000" pitchFamily="2" charset="-127"/>
-              </a:rPr>
-              <a:t>여기에 내용을 입력해주세요</a:t>
-            </a:r>
-          </a:p>
-        </p:txBody>
-      </p:sp>
-      <p:sp>
-        <p:nvSpPr>
-          <p:cNvPr id="32" name="TextBox 31"/>
-          <p:cNvSpPr txBox="1"/>
-          <p:nvPr/>
-        </p:nvSpPr>
-        <p:spPr>
-          <a:xfrm>
-            <a:off x="9223774" y="5592502"/>
-            <a:ext cx="1890261" cy="276999"/>
-          </a:xfrm>
-          <a:prstGeom prst="rect">
-            <a:avLst/>
-          </a:prstGeom>
-          <a:noFill/>
-        </p:spPr>
-        <p:txBody>
-          <a:bodyPr wrap="none" rtlCol="0">
-            <a:spAutoFit/>
-          </a:bodyPr>
-          <a:lstStyle/>
-          <a:p>
-            <a:r>
-              <a:rPr lang="ko-KR" altLang="en-US" sz="1200">
-                <a:ln>
-                  <a:solidFill>
-                    <a:schemeClr val="tx1">
-                      <a:lumMod val="75000"/>
-                      <a:lumOff val="25000"/>
-                      <a:alpha val="15000"/>
-                    </a:schemeClr>
-                  </a:solidFill>
-                </a:ln>
-                <a:solidFill>
-                  <a:schemeClr val="tx1">
-                    <a:lumMod val="75000"/>
-                    <a:lumOff val="25000"/>
-                  </a:schemeClr>
-                </a:solidFill>
-                <a:latin typeface="KoPub돋움체 Medium" panose="00000600000000000000" pitchFamily="2" charset="-127"/>
-                <a:ea typeface="KoPub돋움체 Medium" panose="00000600000000000000" pitchFamily="2" charset="-127"/>
-              </a:rPr>
-              <a:t>여기에 내용을 입력해주세요</a:t>
-            </a:r>
-          </a:p>
-        </p:txBody>
-      </p:sp>
-    </p:spTree>
-    <p:extLst>
-      <p:ext uri="{BB962C8B-B14F-4D97-AF65-F5344CB8AC3E}">
-        <p14:creationId xmlns:p14="http://schemas.microsoft.com/office/powerpoint/2010/main" val="2015639130"/>
-      </p:ext>
-    </p:extLst>
-  </p:cSld>
-  <p:clrMapOvr>
-    <a:overrideClrMapping bg1="lt1" tx1="dk1" bg2="lt2" tx2="dk2" accent1="accent1" accent2="accent2" accent3="accent3" accent4="accent4" accent5="accent5" accent6="accent6" hlink="hlink" folHlink="folHlink"/>
-  </p:clrMapOvr>
-</p:sld>
-</file>
-
-<file path=ppt/slides/slide8.xml><?xml version="1.0" encoding="utf-8"?>
-<p:sld xmlns:a="http://schemas.openxmlformats.org/drawingml/2006/main" xmlns:r="http://schemas.openxmlformats.org/officeDocument/2006/relationships" xmlns:p="http://schemas.openxmlformats.org/presentationml/2006/main">
-  <p:cSld>
-    <p:bg>
-      <p:bgPr>
-        <a:solidFill>
-          <a:srgbClr val="E7E6E6"/>
-        </a:solidFill>
-        <a:effectLst/>
-      </p:bgPr>
-    </p:bg>
-    <p:spTree>
-      <p:nvGrpSpPr>
-        <p:cNvPr id="1" name=""/>
-        <p:cNvGrpSpPr/>
-        <p:nvPr/>
-      </p:nvGrpSpPr>
-      <p:grpSpPr>
-        <a:xfrm>
-          <a:off x="0" y="0"/>
-          <a:ext cx="0" cy="0"/>
-          <a:chOff x="0" y="0"/>
-          <a:chExt cx="0" cy="0"/>
-        </a:xfrm>
-      </p:grpSpPr>
-      <p:sp>
-        <p:nvSpPr>
-          <p:cNvPr id="13" name="직사각형 12"/>
-          <p:cNvSpPr/>
-          <p:nvPr/>
-        </p:nvSpPr>
-        <p:spPr>
-          <a:xfrm>
-            <a:off x="0" y="0"/>
-            <a:ext cx="12192000" cy="800100"/>
-          </a:xfrm>
-          <a:prstGeom prst="rect">
-            <a:avLst/>
-          </a:prstGeom>
-          <a:solidFill>
-            <a:srgbClr val="152B39"/>
-          </a:solidFill>
-          <a:ln>
-            <a:noFill/>
-          </a:ln>
-        </p:spPr>
-        <p:style>
-          <a:lnRef idx="2">
-            <a:schemeClr val="accent1">
-              <a:shade val="50000"/>
-            </a:schemeClr>
-          </a:lnRef>
-          <a:fillRef idx="1">
-            <a:schemeClr val="accent1"/>
-          </a:fillRef>
-          <a:effectRef idx="0">
-            <a:schemeClr val="accent1"/>
-          </a:effectRef>
-          <a:fontRef idx="minor">
-            <a:schemeClr val="lt1"/>
-          </a:fontRef>
-        </p:style>
-        <p:txBody>
-          <a:bodyPr rtlCol="0" anchor="ctr"/>
-          <a:lstStyle/>
-          <a:p>
-            <a:pPr algn="ctr"/>
-            <a:endParaRPr lang="ko-KR" altLang="en-US"/>
-          </a:p>
-        </p:txBody>
-      </p:sp>
-      <p:sp>
-        <p:nvSpPr>
-          <p:cNvPr id="15" name="TextBox 14"/>
-          <p:cNvSpPr txBox="1"/>
-          <p:nvPr/>
-        </p:nvSpPr>
-        <p:spPr>
-          <a:xfrm>
-            <a:off x="3925374" y="81975"/>
-            <a:ext cx="4341253" cy="584775"/>
-          </a:xfrm>
-          <a:prstGeom prst="rect">
-            <a:avLst/>
-          </a:prstGeom>
-          <a:noFill/>
-        </p:spPr>
-        <p:txBody>
-          <a:bodyPr wrap="none" rtlCol="0">
-            <a:spAutoFit/>
-          </a:bodyPr>
-          <a:lstStyle/>
-          <a:p>
-            <a:r>
-              <a:rPr lang="en-US" altLang="ko-KR" sz="3200">
-                <a:solidFill>
-                  <a:schemeClr val="bg1"/>
-                </a:solidFill>
-                <a:latin typeface="KoPub돋움체 Bold" panose="00000800000000000000" pitchFamily="2" charset="-127"/>
-                <a:ea typeface="KoPub돋움체 Bold" panose="00000800000000000000" pitchFamily="2" charset="-127"/>
-              </a:rPr>
-              <a:t>01. SLIDE MAIN TITLE</a:t>
-            </a:r>
-            <a:endParaRPr lang="ko-KR" altLang="en-US" sz="3200">
-              <a:solidFill>
-                <a:schemeClr val="bg1"/>
-              </a:solidFill>
-              <a:latin typeface="KoPub돋움체 Bold" panose="00000800000000000000" pitchFamily="2" charset="-127"/>
-              <a:ea typeface="KoPub돋움체 Bold" panose="00000800000000000000" pitchFamily="2" charset="-127"/>
-            </a:endParaRPr>
-          </a:p>
-        </p:txBody>
-      </p:sp>
-      <p:sp>
-        <p:nvSpPr>
-          <p:cNvPr id="30" name="직사각형 29">
-            <a:extLst>
-              <a:ext uri="{FF2B5EF4-FFF2-40B4-BE49-F238E27FC236}">
-                <a16:creationId xmlns:a16="http://schemas.microsoft.com/office/drawing/2014/main" id="{59CDC580-554D-4AC0-9A5E-5F3996901734}"/>
-              </a:ext>
-            </a:extLst>
-          </p:cNvPr>
-          <p:cNvSpPr/>
-          <p:nvPr/>
-        </p:nvSpPr>
-        <p:spPr>
-          <a:xfrm>
-            <a:off x="9975793" y="3536559"/>
-            <a:ext cx="182880" cy="182880"/>
-          </a:xfrm>
-          <a:prstGeom prst="rect">
-            <a:avLst/>
-          </a:prstGeom>
-          <a:solidFill>
-            <a:srgbClr val="152B39"/>
-          </a:solidFill>
-          <a:ln>
-            <a:noFill/>
-          </a:ln>
-        </p:spPr>
-        <p:style>
-          <a:lnRef idx="2">
-            <a:schemeClr val="accent1">
-              <a:shade val="50000"/>
-            </a:schemeClr>
-          </a:lnRef>
-          <a:fillRef idx="1">
-            <a:schemeClr val="accent1"/>
-          </a:fillRef>
-          <a:effectRef idx="0">
-            <a:schemeClr val="accent1"/>
-          </a:effectRef>
-          <a:fontRef idx="minor">
-            <a:schemeClr val="lt1"/>
-          </a:fontRef>
-        </p:style>
-        <p:txBody>
-          <a:bodyPr rtlCol="0" anchor="ctr"/>
-          <a:lstStyle/>
-          <a:p>
-            <a:pPr algn="ctr"/>
-            <a:endParaRPr lang="ko-KR" altLang="en-US"/>
-          </a:p>
-        </p:txBody>
-      </p:sp>
-      <p:sp>
-        <p:nvSpPr>
-          <p:cNvPr id="31" name="직사각형 30">
-            <a:extLst>
-              <a:ext uri="{FF2B5EF4-FFF2-40B4-BE49-F238E27FC236}">
-                <a16:creationId xmlns:a16="http://schemas.microsoft.com/office/drawing/2014/main" id="{78674FEC-699C-4212-B5BE-DAC12D332C73}"/>
-              </a:ext>
-            </a:extLst>
-          </p:cNvPr>
-          <p:cNvSpPr/>
-          <p:nvPr/>
-        </p:nvSpPr>
-        <p:spPr>
-          <a:xfrm>
-            <a:off x="9975793" y="4008642"/>
-            <a:ext cx="182880" cy="182880"/>
-          </a:xfrm>
-          <a:prstGeom prst="rect">
-            <a:avLst/>
-          </a:prstGeom>
-          <a:solidFill>
-            <a:srgbClr val="FFFFFF"/>
-          </a:solidFill>
-          <a:ln>
-            <a:noFill/>
-          </a:ln>
-        </p:spPr>
-        <p:style>
-          <a:lnRef idx="2">
-            <a:schemeClr val="accent1">
-              <a:shade val="50000"/>
-            </a:schemeClr>
-          </a:lnRef>
-          <a:fillRef idx="1">
-            <a:schemeClr val="accent1"/>
-          </a:fillRef>
-          <a:effectRef idx="0">
-            <a:schemeClr val="accent1"/>
-          </a:effectRef>
-          <a:fontRef idx="minor">
-            <a:schemeClr val="lt1"/>
-          </a:fontRef>
-        </p:style>
-        <p:txBody>
-          <a:bodyPr rtlCol="0" anchor="ctr"/>
-          <a:lstStyle/>
-          <a:p>
-            <a:pPr algn="ctr"/>
-            <a:endParaRPr lang="ko-KR" altLang="en-US"/>
-          </a:p>
-        </p:txBody>
-      </p:sp>
-      <p:sp>
-        <p:nvSpPr>
-          <p:cNvPr id="32" name="TextBox 31">
-            <a:extLst>
-              <a:ext uri="{FF2B5EF4-FFF2-40B4-BE49-F238E27FC236}">
-                <a16:creationId xmlns:a16="http://schemas.microsoft.com/office/drawing/2014/main" id="{0C3A96CE-8308-4488-9E20-E93F1B4644DA}"/>
-              </a:ext>
-            </a:extLst>
-          </p:cNvPr>
-          <p:cNvSpPr txBox="1"/>
-          <p:nvPr/>
-        </p:nvSpPr>
-        <p:spPr>
-          <a:xfrm>
-            <a:off x="10157006" y="3422259"/>
-            <a:ext cx="1117614" cy="369332"/>
-          </a:xfrm>
-          <a:prstGeom prst="rect">
-            <a:avLst/>
-          </a:prstGeom>
-          <a:noFill/>
-        </p:spPr>
-        <p:txBody>
-          <a:bodyPr wrap="none" rtlCol="0">
-            <a:spAutoFit/>
-          </a:bodyPr>
-          <a:lstStyle/>
-          <a:p>
-            <a:r>
-              <a:rPr lang="en-US" altLang="ko-KR" dirty="0">
-                <a:ln>
-                  <a:solidFill>
-                    <a:schemeClr val="bg2">
-                      <a:lumMod val="50000"/>
-                      <a:alpha val="15000"/>
-                    </a:schemeClr>
-                  </a:solidFill>
-                </a:ln>
-                <a:solidFill>
-                  <a:schemeClr val="bg2">
-                    <a:lumMod val="50000"/>
-                  </a:schemeClr>
-                </a:solidFill>
-                <a:latin typeface="나눔스퀘어" panose="020B0600000101010101" pitchFamily="50" charset="-127"/>
-                <a:ea typeface="나눔스퀘어" panose="020B0600000101010101" pitchFamily="50" charset="-127"/>
-                <a:cs typeface="조선일보명조" panose="02030304000000000000" pitchFamily="18" charset="-127"/>
-              </a:rPr>
-              <a:t>contents</a:t>
-            </a:r>
-            <a:endParaRPr lang="ko-KR" altLang="en-US" dirty="0">
-              <a:ln>
-                <a:solidFill>
-                  <a:schemeClr val="bg2">
-                    <a:lumMod val="50000"/>
-                    <a:alpha val="15000"/>
-                  </a:schemeClr>
-                </a:solidFill>
-              </a:ln>
-              <a:solidFill>
-                <a:schemeClr val="bg2">
-                  <a:lumMod val="50000"/>
-                </a:schemeClr>
-              </a:solidFill>
-              <a:latin typeface="나눔스퀘어" panose="020B0600000101010101" pitchFamily="50" charset="-127"/>
-              <a:ea typeface="나눔스퀘어" panose="020B0600000101010101" pitchFamily="50" charset="-127"/>
-              <a:cs typeface="조선일보명조" panose="02030304000000000000" pitchFamily="18" charset="-127"/>
-            </a:endParaRPr>
-          </a:p>
-        </p:txBody>
-      </p:sp>
-      <p:sp>
-        <p:nvSpPr>
-          <p:cNvPr id="33" name="TextBox 32">
-            <a:extLst>
-              <a:ext uri="{FF2B5EF4-FFF2-40B4-BE49-F238E27FC236}">
-                <a16:creationId xmlns:a16="http://schemas.microsoft.com/office/drawing/2014/main" id="{D88AF1F9-A828-4220-8A16-D746D8F2CE3D}"/>
-              </a:ext>
-            </a:extLst>
-          </p:cNvPr>
-          <p:cNvSpPr txBox="1"/>
-          <p:nvPr/>
-        </p:nvSpPr>
-        <p:spPr>
-          <a:xfrm>
-            <a:off x="10157006" y="3905891"/>
-            <a:ext cx="1117614" cy="369332"/>
-          </a:xfrm>
-          <a:prstGeom prst="rect">
-            <a:avLst/>
-          </a:prstGeom>
-          <a:noFill/>
-        </p:spPr>
-        <p:txBody>
-          <a:bodyPr wrap="none" rtlCol="0">
-            <a:spAutoFit/>
-          </a:bodyPr>
-          <a:lstStyle/>
-          <a:p>
-            <a:r>
-              <a:rPr lang="en-US" altLang="ko-KR" dirty="0">
-                <a:ln>
-                  <a:solidFill>
-                    <a:schemeClr val="bg2">
-                      <a:lumMod val="50000"/>
-                      <a:alpha val="15000"/>
-                    </a:schemeClr>
-                  </a:solidFill>
-                </a:ln>
-                <a:solidFill>
-                  <a:schemeClr val="bg2">
-                    <a:lumMod val="50000"/>
-                  </a:schemeClr>
-                </a:solidFill>
-                <a:latin typeface="나눔스퀘어" panose="020B0600000101010101" pitchFamily="50" charset="-127"/>
-                <a:ea typeface="나눔스퀘어" panose="020B0600000101010101" pitchFamily="50" charset="-127"/>
-                <a:cs typeface="조선일보명조" panose="02030304000000000000" pitchFamily="18" charset="-127"/>
-              </a:rPr>
-              <a:t>contents</a:t>
-            </a:r>
-            <a:endParaRPr lang="ko-KR" altLang="en-US" dirty="0">
-              <a:ln>
-                <a:solidFill>
-                  <a:schemeClr val="bg2">
-                    <a:lumMod val="50000"/>
-                    <a:alpha val="15000"/>
-                  </a:schemeClr>
-                </a:solidFill>
-              </a:ln>
-              <a:solidFill>
-                <a:schemeClr val="bg2">
-                  <a:lumMod val="50000"/>
-                </a:schemeClr>
-              </a:solidFill>
-              <a:latin typeface="나눔스퀘어" panose="020B0600000101010101" pitchFamily="50" charset="-127"/>
-              <a:ea typeface="나눔스퀘어" panose="020B0600000101010101" pitchFamily="50" charset="-127"/>
-              <a:cs typeface="조선일보명조" panose="02030304000000000000" pitchFamily="18" charset="-127"/>
-            </a:endParaRPr>
-          </a:p>
-        </p:txBody>
-      </p:sp>
-      <p:sp>
-        <p:nvSpPr>
-          <p:cNvPr id="34" name="직사각형 33">
-            <a:extLst>
-              <a:ext uri="{FF2B5EF4-FFF2-40B4-BE49-F238E27FC236}">
-                <a16:creationId xmlns:a16="http://schemas.microsoft.com/office/drawing/2014/main" id="{CEB1A4A9-21D6-4C59-9620-C123C38E2F1C}"/>
-              </a:ext>
-            </a:extLst>
-          </p:cNvPr>
-          <p:cNvSpPr/>
-          <p:nvPr/>
-        </p:nvSpPr>
-        <p:spPr>
-          <a:xfrm>
-            <a:off x="2783246" y="3800947"/>
-            <a:ext cx="282013" cy="1357189"/>
-          </a:xfrm>
-          <a:prstGeom prst="rect">
-            <a:avLst/>
-          </a:prstGeom>
-          <a:solidFill>
-            <a:schemeClr val="bg1"/>
-          </a:solidFill>
-          <a:ln>
-            <a:noFill/>
-          </a:ln>
-        </p:spPr>
-        <p:style>
-          <a:lnRef idx="2">
-            <a:schemeClr val="accent1">
-              <a:shade val="50000"/>
-            </a:schemeClr>
-          </a:lnRef>
-          <a:fillRef idx="1">
-            <a:schemeClr val="accent1"/>
-          </a:fillRef>
-          <a:effectRef idx="0">
-            <a:schemeClr val="accent1"/>
-          </a:effectRef>
-          <a:fontRef idx="minor">
-            <a:schemeClr val="lt1"/>
-          </a:fontRef>
-        </p:style>
-        <p:txBody>
-          <a:bodyPr rot="0" spcFirstLastPara="0" vertOverflow="overflow" horzOverflow="overflow" vert="horz" wrap="square" lIns="91440" tIns="45720" rIns="91440" bIns="45720" numCol="1" spcCol="0" rtlCol="0" fromWordArt="0" anchor="ctr" anchorCtr="0" forceAA="0" compatLnSpc="1">
-            <a:prstTxWarp prst="textNoShape">
-              <a:avLst/>
-            </a:prstTxWarp>
-            <a:noAutofit/>
-          </a:bodyPr>
-          <a:lstStyle/>
-          <a:p>
-            <a:pPr algn="ctr"/>
-            <a:endParaRPr lang="ko-KR" altLang="en-US"/>
-          </a:p>
-        </p:txBody>
-      </p:sp>
-      <p:sp>
-        <p:nvSpPr>
-          <p:cNvPr id="35" name="직사각형 34">
-            <a:extLst>
-              <a:ext uri="{FF2B5EF4-FFF2-40B4-BE49-F238E27FC236}">
-                <a16:creationId xmlns:a16="http://schemas.microsoft.com/office/drawing/2014/main" id="{325ECA79-DAC5-45ED-B409-73692561B65D}"/>
-              </a:ext>
-            </a:extLst>
-          </p:cNvPr>
-          <p:cNvSpPr/>
-          <p:nvPr/>
-        </p:nvSpPr>
-        <p:spPr>
-          <a:xfrm>
-            <a:off x="2783247" y="3536559"/>
-            <a:ext cx="282012" cy="581653"/>
-          </a:xfrm>
-          <a:prstGeom prst="rect">
-            <a:avLst/>
-          </a:prstGeom>
-          <a:solidFill>
-            <a:srgbClr val="152B39"/>
-          </a:solidFill>
-          <a:ln>
-            <a:noFill/>
-          </a:ln>
-        </p:spPr>
-        <p:style>
-          <a:lnRef idx="2">
-            <a:schemeClr val="accent1">
-              <a:shade val="50000"/>
-            </a:schemeClr>
-          </a:lnRef>
-          <a:fillRef idx="1">
-            <a:schemeClr val="accent1"/>
-          </a:fillRef>
-          <a:effectRef idx="0">
-            <a:schemeClr val="accent1"/>
-          </a:effectRef>
-          <a:fontRef idx="minor">
-            <a:schemeClr val="lt1"/>
-          </a:fontRef>
-        </p:style>
-        <p:txBody>
-          <a:bodyPr rot="0" spcFirstLastPara="0" vertOverflow="overflow" horzOverflow="overflow" vert="horz" wrap="square" lIns="91440" tIns="45720" rIns="91440" bIns="45720" numCol="1" spcCol="0" rtlCol="0" fromWordArt="0" anchor="ctr" anchorCtr="0" forceAA="0" compatLnSpc="1">
-            <a:prstTxWarp prst="textNoShape">
-              <a:avLst/>
-            </a:prstTxWarp>
-            <a:noAutofit/>
-          </a:bodyPr>
-          <a:lstStyle/>
-          <a:p>
-            <a:pPr algn="ctr"/>
-            <a:endParaRPr lang="ko-KR" altLang="en-US"/>
-          </a:p>
-        </p:txBody>
-      </p:sp>
-      <p:cxnSp>
-        <p:nvCxnSpPr>
-          <p:cNvPr id="36" name="직선 연결선 35">
-            <a:extLst>
-              <a:ext uri="{FF2B5EF4-FFF2-40B4-BE49-F238E27FC236}">
-                <a16:creationId xmlns:a16="http://schemas.microsoft.com/office/drawing/2014/main" id="{E95716D3-A033-45B5-A015-87B45E394B37}"/>
-              </a:ext>
-            </a:extLst>
-          </p:cNvPr>
-          <p:cNvCxnSpPr>
-            <a:cxnSpLocks/>
-          </p:cNvCxnSpPr>
-          <p:nvPr/>
-        </p:nvCxnSpPr>
-        <p:spPr>
-          <a:xfrm>
-            <a:off x="2236845" y="5158136"/>
-            <a:ext cx="7272915" cy="0"/>
-          </a:xfrm>
-          <a:prstGeom prst="line">
-            <a:avLst/>
-          </a:prstGeom>
-          <a:ln>
-            <a:solidFill>
-              <a:schemeClr val="bg2"/>
-            </a:solidFill>
-          </a:ln>
-        </p:spPr>
-        <p:style>
-          <a:lnRef idx="1">
-            <a:schemeClr val="accent1"/>
-          </a:lnRef>
-          <a:fillRef idx="0">
-            <a:schemeClr val="accent1"/>
-          </a:fillRef>
-          <a:effectRef idx="0">
-            <a:schemeClr val="accent1"/>
-          </a:effectRef>
-          <a:fontRef idx="minor">
-            <a:schemeClr val="tx1"/>
-          </a:fontRef>
-        </p:style>
-      </p:cxnSp>
-      <p:sp>
-        <p:nvSpPr>
-          <p:cNvPr id="37" name="직사각형 36">
-            <a:extLst>
-              <a:ext uri="{FF2B5EF4-FFF2-40B4-BE49-F238E27FC236}">
-                <a16:creationId xmlns:a16="http://schemas.microsoft.com/office/drawing/2014/main" id="{1A1892C4-12CF-49CF-9067-D4D2C5914319}"/>
-              </a:ext>
-            </a:extLst>
-          </p:cNvPr>
-          <p:cNvSpPr/>
-          <p:nvPr/>
-        </p:nvSpPr>
-        <p:spPr>
-          <a:xfrm>
-            <a:off x="3437113" y="4118211"/>
-            <a:ext cx="282013" cy="1039924"/>
-          </a:xfrm>
-          <a:prstGeom prst="rect">
-            <a:avLst/>
-          </a:prstGeom>
-          <a:solidFill>
-            <a:schemeClr val="bg1"/>
-          </a:solidFill>
-          <a:ln>
-            <a:noFill/>
-          </a:ln>
-        </p:spPr>
-        <p:style>
-          <a:lnRef idx="2">
-            <a:schemeClr val="accent1">
-              <a:shade val="50000"/>
-            </a:schemeClr>
-          </a:lnRef>
-          <a:fillRef idx="1">
-            <a:schemeClr val="accent1"/>
-          </a:fillRef>
-          <a:effectRef idx="0">
-            <a:schemeClr val="accent1"/>
-          </a:effectRef>
-          <a:fontRef idx="minor">
-            <a:schemeClr val="lt1"/>
-          </a:fontRef>
-        </p:style>
-        <p:txBody>
-          <a:bodyPr rot="0" spcFirstLastPara="0" vertOverflow="overflow" horzOverflow="overflow" vert="horz" wrap="square" lIns="91440" tIns="45720" rIns="91440" bIns="45720" numCol="1" spcCol="0" rtlCol="0" fromWordArt="0" anchor="ctr" anchorCtr="0" forceAA="0" compatLnSpc="1">
-            <a:prstTxWarp prst="textNoShape">
-              <a:avLst/>
-            </a:prstTxWarp>
-            <a:noAutofit/>
-          </a:bodyPr>
-          <a:lstStyle/>
-          <a:p>
-            <a:pPr algn="ctr"/>
-            <a:endParaRPr lang="ko-KR" altLang="en-US"/>
-          </a:p>
-        </p:txBody>
-      </p:sp>
-      <p:sp>
-        <p:nvSpPr>
-          <p:cNvPr id="38" name="직사각형 37">
-            <a:extLst>
-              <a:ext uri="{FF2B5EF4-FFF2-40B4-BE49-F238E27FC236}">
-                <a16:creationId xmlns:a16="http://schemas.microsoft.com/office/drawing/2014/main" id="{6A11B826-0DD4-4386-A1B1-6A86E60E3056}"/>
-              </a:ext>
-            </a:extLst>
-          </p:cNvPr>
-          <p:cNvSpPr/>
-          <p:nvPr/>
-        </p:nvSpPr>
-        <p:spPr>
-          <a:xfrm>
-            <a:off x="3437114" y="4118211"/>
-            <a:ext cx="282012" cy="317265"/>
-          </a:xfrm>
-          <a:prstGeom prst="rect">
-            <a:avLst/>
-          </a:prstGeom>
-          <a:solidFill>
-            <a:srgbClr val="152B39"/>
-          </a:solidFill>
-          <a:ln>
-            <a:noFill/>
-          </a:ln>
-        </p:spPr>
-        <p:style>
-          <a:lnRef idx="2">
-            <a:schemeClr val="accent1">
-              <a:shade val="50000"/>
-            </a:schemeClr>
-          </a:lnRef>
-          <a:fillRef idx="1">
-            <a:schemeClr val="accent1"/>
-          </a:fillRef>
-          <a:effectRef idx="0">
-            <a:schemeClr val="accent1"/>
-          </a:effectRef>
-          <a:fontRef idx="minor">
-            <a:schemeClr val="lt1"/>
-          </a:fontRef>
-        </p:style>
-        <p:txBody>
-          <a:bodyPr rot="0" spcFirstLastPara="0" vertOverflow="overflow" horzOverflow="overflow" vert="horz" wrap="square" lIns="91440" tIns="45720" rIns="91440" bIns="45720" numCol="1" spcCol="0" rtlCol="0" fromWordArt="0" anchor="ctr" anchorCtr="0" forceAA="0" compatLnSpc="1">
-            <a:prstTxWarp prst="textNoShape">
-              <a:avLst/>
-            </a:prstTxWarp>
-            <a:noAutofit/>
-          </a:bodyPr>
-          <a:lstStyle/>
-          <a:p>
-            <a:pPr algn="ctr"/>
-            <a:endParaRPr lang="ko-KR" altLang="en-US"/>
-          </a:p>
-        </p:txBody>
-      </p:sp>
-      <p:sp>
-        <p:nvSpPr>
-          <p:cNvPr id="39" name="직사각형 38">
-            <a:extLst>
-              <a:ext uri="{FF2B5EF4-FFF2-40B4-BE49-F238E27FC236}">
-                <a16:creationId xmlns:a16="http://schemas.microsoft.com/office/drawing/2014/main" id="{C0E4098D-E28F-461C-B5DA-F6A6C42774A2}"/>
-              </a:ext>
-            </a:extLst>
-          </p:cNvPr>
-          <p:cNvSpPr/>
-          <p:nvPr/>
-        </p:nvSpPr>
-        <p:spPr>
-          <a:xfrm>
-            <a:off x="4090981" y="3800947"/>
-            <a:ext cx="282013" cy="1357189"/>
-          </a:xfrm>
-          <a:prstGeom prst="rect">
-            <a:avLst/>
-          </a:prstGeom>
-          <a:solidFill>
-            <a:schemeClr val="bg1"/>
-          </a:solidFill>
-          <a:ln>
-            <a:noFill/>
-          </a:ln>
-        </p:spPr>
-        <p:style>
-          <a:lnRef idx="2">
-            <a:schemeClr val="accent1">
-              <a:shade val="50000"/>
-            </a:schemeClr>
-          </a:lnRef>
-          <a:fillRef idx="1">
-            <a:schemeClr val="accent1"/>
-          </a:fillRef>
-          <a:effectRef idx="0">
-            <a:schemeClr val="accent1"/>
-          </a:effectRef>
-          <a:fontRef idx="minor">
-            <a:schemeClr val="lt1"/>
-          </a:fontRef>
-        </p:style>
-        <p:txBody>
-          <a:bodyPr rot="0" spcFirstLastPara="0" vertOverflow="overflow" horzOverflow="overflow" vert="horz" wrap="square" lIns="91440" tIns="45720" rIns="91440" bIns="45720" numCol="1" spcCol="0" rtlCol="0" fromWordArt="0" anchor="ctr" anchorCtr="0" forceAA="0" compatLnSpc="1">
-            <a:prstTxWarp prst="textNoShape">
-              <a:avLst/>
-            </a:prstTxWarp>
-            <a:noAutofit/>
-          </a:bodyPr>
-          <a:lstStyle/>
-          <a:p>
-            <a:pPr algn="ctr"/>
-            <a:endParaRPr lang="ko-KR" altLang="en-US"/>
-          </a:p>
-        </p:txBody>
-      </p:sp>
-      <p:sp>
-        <p:nvSpPr>
-          <p:cNvPr id="40" name="직사각형 39">
-            <a:extLst>
-              <a:ext uri="{FF2B5EF4-FFF2-40B4-BE49-F238E27FC236}">
-                <a16:creationId xmlns:a16="http://schemas.microsoft.com/office/drawing/2014/main" id="{2C4FEC23-DB9A-46CC-BFD9-3F7ED9AE5712}"/>
-              </a:ext>
-            </a:extLst>
-          </p:cNvPr>
-          <p:cNvSpPr/>
-          <p:nvPr/>
-        </p:nvSpPr>
-        <p:spPr>
-          <a:xfrm>
-            <a:off x="4090982" y="3536559"/>
-            <a:ext cx="282012" cy="1163305"/>
-          </a:xfrm>
-          <a:prstGeom prst="rect">
-            <a:avLst/>
-          </a:prstGeom>
-          <a:solidFill>
-            <a:srgbClr val="152B39"/>
-          </a:solidFill>
-          <a:ln>
-            <a:noFill/>
-          </a:ln>
-        </p:spPr>
-        <p:style>
-          <a:lnRef idx="2">
-            <a:schemeClr val="accent1">
-              <a:shade val="50000"/>
-            </a:schemeClr>
-          </a:lnRef>
-          <a:fillRef idx="1">
-            <a:schemeClr val="accent1"/>
-          </a:fillRef>
-          <a:effectRef idx="0">
-            <a:schemeClr val="accent1"/>
-          </a:effectRef>
-          <a:fontRef idx="minor">
-            <a:schemeClr val="lt1"/>
-          </a:fontRef>
-        </p:style>
-        <p:txBody>
-          <a:bodyPr rot="0" spcFirstLastPara="0" vertOverflow="overflow" horzOverflow="overflow" vert="horz" wrap="square" lIns="91440" tIns="45720" rIns="91440" bIns="45720" numCol="1" spcCol="0" rtlCol="0" fromWordArt="0" anchor="ctr" anchorCtr="0" forceAA="0" compatLnSpc="1">
-            <a:prstTxWarp prst="textNoShape">
-              <a:avLst/>
-            </a:prstTxWarp>
-            <a:noAutofit/>
-          </a:bodyPr>
-          <a:lstStyle/>
-          <a:p>
-            <a:pPr algn="ctr"/>
-            <a:endParaRPr lang="ko-KR" altLang="en-US"/>
-          </a:p>
-        </p:txBody>
-      </p:sp>
-      <p:sp>
-        <p:nvSpPr>
-          <p:cNvPr id="41" name="직사각형 40">
-            <a:extLst>
-              <a:ext uri="{FF2B5EF4-FFF2-40B4-BE49-F238E27FC236}">
-                <a16:creationId xmlns:a16="http://schemas.microsoft.com/office/drawing/2014/main" id="{D5C8EECD-BF55-4C27-B438-704753BA9480}"/>
-              </a:ext>
-            </a:extLst>
-          </p:cNvPr>
-          <p:cNvSpPr/>
-          <p:nvPr/>
-        </p:nvSpPr>
-        <p:spPr>
-          <a:xfrm>
-            <a:off x="4744849" y="3800946"/>
-            <a:ext cx="282013" cy="1357190"/>
-          </a:xfrm>
-          <a:prstGeom prst="rect">
-            <a:avLst/>
-          </a:prstGeom>
-          <a:solidFill>
-            <a:schemeClr val="bg1"/>
-          </a:solidFill>
-          <a:ln>
-            <a:noFill/>
-          </a:ln>
-        </p:spPr>
-        <p:style>
-          <a:lnRef idx="2">
-            <a:schemeClr val="accent1">
-              <a:shade val="50000"/>
-            </a:schemeClr>
-          </a:lnRef>
-          <a:fillRef idx="1">
-            <a:schemeClr val="accent1"/>
-          </a:fillRef>
-          <a:effectRef idx="0">
-            <a:schemeClr val="accent1"/>
-          </a:effectRef>
-          <a:fontRef idx="minor">
-            <a:schemeClr val="lt1"/>
-          </a:fontRef>
-        </p:style>
-        <p:txBody>
-          <a:bodyPr rot="0" spcFirstLastPara="0" vertOverflow="overflow" horzOverflow="overflow" vert="horz" wrap="square" lIns="91440" tIns="45720" rIns="91440" bIns="45720" numCol="1" spcCol="0" rtlCol="0" fromWordArt="0" anchor="ctr" anchorCtr="0" forceAA="0" compatLnSpc="1">
-            <a:prstTxWarp prst="textNoShape">
-              <a:avLst/>
-            </a:prstTxWarp>
-            <a:noAutofit/>
-          </a:bodyPr>
-          <a:lstStyle/>
-          <a:p>
-            <a:pPr algn="ctr"/>
-            <a:endParaRPr lang="ko-KR" altLang="en-US"/>
-          </a:p>
-        </p:txBody>
-      </p:sp>
-      <p:sp>
-        <p:nvSpPr>
-          <p:cNvPr id="42" name="직사각형 41">
-            <a:extLst>
-              <a:ext uri="{FF2B5EF4-FFF2-40B4-BE49-F238E27FC236}">
-                <a16:creationId xmlns:a16="http://schemas.microsoft.com/office/drawing/2014/main" id="{74D55A8F-1DD9-4F5A-AECC-391AA2DD666D}"/>
-              </a:ext>
-            </a:extLst>
-          </p:cNvPr>
-          <p:cNvSpPr/>
-          <p:nvPr/>
-        </p:nvSpPr>
-        <p:spPr>
-          <a:xfrm>
-            <a:off x="4744850" y="2743396"/>
-            <a:ext cx="282012" cy="1374815"/>
-          </a:xfrm>
-          <a:prstGeom prst="rect">
-            <a:avLst/>
-          </a:prstGeom>
-          <a:solidFill>
-            <a:srgbClr val="152B39"/>
-          </a:solidFill>
-          <a:ln>
-            <a:noFill/>
-          </a:ln>
-        </p:spPr>
-        <p:style>
-          <a:lnRef idx="2">
-            <a:schemeClr val="accent1">
-              <a:shade val="50000"/>
-            </a:schemeClr>
-          </a:lnRef>
-          <a:fillRef idx="1">
-            <a:schemeClr val="accent1"/>
-          </a:fillRef>
-          <a:effectRef idx="0">
-            <a:schemeClr val="accent1"/>
-          </a:effectRef>
-          <a:fontRef idx="minor">
-            <a:schemeClr val="lt1"/>
-          </a:fontRef>
-        </p:style>
-        <p:txBody>
-          <a:bodyPr rot="0" spcFirstLastPara="0" vertOverflow="overflow" horzOverflow="overflow" vert="horz" wrap="square" lIns="91440" tIns="45720" rIns="91440" bIns="45720" numCol="1" spcCol="0" rtlCol="0" fromWordArt="0" anchor="ctr" anchorCtr="0" forceAA="0" compatLnSpc="1">
-            <a:prstTxWarp prst="textNoShape">
-              <a:avLst/>
-            </a:prstTxWarp>
-            <a:noAutofit/>
-          </a:bodyPr>
-          <a:lstStyle/>
-          <a:p>
-            <a:pPr algn="ctr"/>
-            <a:endParaRPr lang="ko-KR" altLang="en-US"/>
-          </a:p>
-        </p:txBody>
-      </p:sp>
-      <p:sp>
-        <p:nvSpPr>
-          <p:cNvPr id="43" name="직사각형 42">
-            <a:extLst>
-              <a:ext uri="{FF2B5EF4-FFF2-40B4-BE49-F238E27FC236}">
-                <a16:creationId xmlns:a16="http://schemas.microsoft.com/office/drawing/2014/main" id="{8CBCCE66-6FF4-4B1D-92B8-C4631C3362A7}"/>
-              </a:ext>
-            </a:extLst>
-          </p:cNvPr>
-          <p:cNvSpPr/>
-          <p:nvPr/>
-        </p:nvSpPr>
-        <p:spPr>
-          <a:xfrm>
-            <a:off x="5398716" y="3800947"/>
-            <a:ext cx="282013" cy="1357189"/>
-          </a:xfrm>
-          <a:prstGeom prst="rect">
-            <a:avLst/>
-          </a:prstGeom>
-          <a:solidFill>
-            <a:schemeClr val="bg1"/>
-          </a:solidFill>
-          <a:ln>
-            <a:noFill/>
-          </a:ln>
-        </p:spPr>
-        <p:style>
-          <a:lnRef idx="2">
-            <a:schemeClr val="accent1">
-              <a:shade val="50000"/>
-            </a:schemeClr>
-          </a:lnRef>
-          <a:fillRef idx="1">
-            <a:schemeClr val="accent1"/>
-          </a:fillRef>
-          <a:effectRef idx="0">
-            <a:schemeClr val="accent1"/>
-          </a:effectRef>
-          <a:fontRef idx="minor">
-            <a:schemeClr val="lt1"/>
-          </a:fontRef>
-        </p:style>
-        <p:txBody>
-          <a:bodyPr rot="0" spcFirstLastPara="0" vertOverflow="overflow" horzOverflow="overflow" vert="horz" wrap="square" lIns="91440" tIns="45720" rIns="91440" bIns="45720" numCol="1" spcCol="0" rtlCol="0" fromWordArt="0" anchor="ctr" anchorCtr="0" forceAA="0" compatLnSpc="1">
-            <a:prstTxWarp prst="textNoShape">
-              <a:avLst/>
-            </a:prstTxWarp>
-            <a:noAutofit/>
-          </a:bodyPr>
-          <a:lstStyle/>
-          <a:p>
-            <a:pPr algn="ctr"/>
-            <a:endParaRPr lang="ko-KR" altLang="en-US"/>
-          </a:p>
-        </p:txBody>
-      </p:sp>
-      <p:sp>
-        <p:nvSpPr>
-          <p:cNvPr id="44" name="직사각형 43">
-            <a:extLst>
-              <a:ext uri="{FF2B5EF4-FFF2-40B4-BE49-F238E27FC236}">
-                <a16:creationId xmlns:a16="http://schemas.microsoft.com/office/drawing/2014/main" id="{60A7574B-17B1-49C1-8C92-9C80A4864846}"/>
-              </a:ext>
-            </a:extLst>
-          </p:cNvPr>
-          <p:cNvSpPr/>
-          <p:nvPr/>
-        </p:nvSpPr>
-        <p:spPr>
-          <a:xfrm>
-            <a:off x="5398717" y="3536559"/>
-            <a:ext cx="282008" cy="440646"/>
-          </a:xfrm>
-          <a:prstGeom prst="rect">
-            <a:avLst/>
-          </a:prstGeom>
-          <a:solidFill>
-            <a:srgbClr val="152B39"/>
-          </a:solidFill>
-          <a:ln>
-            <a:noFill/>
-          </a:ln>
-        </p:spPr>
-        <p:style>
-          <a:lnRef idx="2">
-            <a:schemeClr val="accent1">
-              <a:shade val="50000"/>
-            </a:schemeClr>
-          </a:lnRef>
-          <a:fillRef idx="1">
-            <a:schemeClr val="accent1"/>
-          </a:fillRef>
-          <a:effectRef idx="0">
-            <a:schemeClr val="accent1"/>
-          </a:effectRef>
-          <a:fontRef idx="minor">
-            <a:schemeClr val="lt1"/>
-          </a:fontRef>
-        </p:style>
-        <p:txBody>
-          <a:bodyPr rot="0" spcFirstLastPara="0" vertOverflow="overflow" horzOverflow="overflow" vert="horz" wrap="square" lIns="91440" tIns="45720" rIns="91440" bIns="45720" numCol="1" spcCol="0" rtlCol="0" fromWordArt="0" anchor="ctr" anchorCtr="0" forceAA="0" compatLnSpc="1">
-            <a:prstTxWarp prst="textNoShape">
-              <a:avLst/>
-            </a:prstTxWarp>
-            <a:noAutofit/>
-          </a:bodyPr>
-          <a:lstStyle/>
-          <a:p>
-            <a:pPr algn="ctr"/>
-            <a:endParaRPr lang="ko-KR" altLang="en-US"/>
-          </a:p>
-        </p:txBody>
-      </p:sp>
-      <p:sp>
-        <p:nvSpPr>
-          <p:cNvPr id="56" name="직사각형 55">
-            <a:extLst>
-              <a:ext uri="{FF2B5EF4-FFF2-40B4-BE49-F238E27FC236}">
-                <a16:creationId xmlns:a16="http://schemas.microsoft.com/office/drawing/2014/main" id="{8B5AFF48-A0E9-4B09-880F-0F431A4069BC}"/>
-              </a:ext>
-            </a:extLst>
-          </p:cNvPr>
-          <p:cNvSpPr/>
-          <p:nvPr/>
-        </p:nvSpPr>
-        <p:spPr>
-          <a:xfrm>
-            <a:off x="6052584" y="2919653"/>
-            <a:ext cx="282012" cy="2238482"/>
-          </a:xfrm>
-          <a:prstGeom prst="rect">
-            <a:avLst/>
-          </a:prstGeom>
-          <a:solidFill>
-            <a:schemeClr val="bg1"/>
-          </a:solidFill>
-          <a:ln>
-            <a:noFill/>
-          </a:ln>
-        </p:spPr>
-        <p:style>
-          <a:lnRef idx="2">
-            <a:schemeClr val="accent1">
-              <a:shade val="50000"/>
-            </a:schemeClr>
-          </a:lnRef>
-          <a:fillRef idx="1">
-            <a:schemeClr val="accent1"/>
-          </a:fillRef>
-          <a:effectRef idx="0">
-            <a:schemeClr val="accent1"/>
-          </a:effectRef>
-          <a:fontRef idx="minor">
-            <a:schemeClr val="lt1"/>
-          </a:fontRef>
-        </p:style>
-        <p:txBody>
-          <a:bodyPr rot="0" spcFirstLastPara="0" vertOverflow="overflow" horzOverflow="overflow" vert="horz" wrap="square" lIns="91440" tIns="45720" rIns="91440" bIns="45720" numCol="1" spcCol="0" rtlCol="0" fromWordArt="0" anchor="ctr" anchorCtr="0" forceAA="0" compatLnSpc="1">
-            <a:prstTxWarp prst="textNoShape">
-              <a:avLst/>
-            </a:prstTxWarp>
-            <a:noAutofit/>
-          </a:bodyPr>
-          <a:lstStyle/>
-          <a:p>
-            <a:pPr algn="ctr"/>
-            <a:endParaRPr lang="ko-KR" altLang="en-US"/>
-          </a:p>
-        </p:txBody>
-      </p:sp>
-      <p:sp>
-        <p:nvSpPr>
-          <p:cNvPr id="57" name="직사각형 56">
-            <a:extLst>
-              <a:ext uri="{FF2B5EF4-FFF2-40B4-BE49-F238E27FC236}">
-                <a16:creationId xmlns:a16="http://schemas.microsoft.com/office/drawing/2014/main" id="{352A24CC-69AF-4EC0-863D-F5C962AA8E70}"/>
-              </a:ext>
-            </a:extLst>
-          </p:cNvPr>
-          <p:cNvSpPr/>
-          <p:nvPr/>
-        </p:nvSpPr>
-        <p:spPr>
-          <a:xfrm>
-            <a:off x="6052586" y="1967859"/>
-            <a:ext cx="282011" cy="951794"/>
-          </a:xfrm>
-          <a:prstGeom prst="rect">
-            <a:avLst/>
-          </a:prstGeom>
-          <a:solidFill>
-            <a:srgbClr val="152B39"/>
-          </a:solidFill>
-          <a:ln>
-            <a:noFill/>
-          </a:ln>
-        </p:spPr>
-        <p:style>
-          <a:lnRef idx="2">
-            <a:schemeClr val="accent1">
-              <a:shade val="50000"/>
-            </a:schemeClr>
-          </a:lnRef>
-          <a:fillRef idx="1">
-            <a:schemeClr val="accent1"/>
-          </a:fillRef>
-          <a:effectRef idx="0">
-            <a:schemeClr val="accent1"/>
-          </a:effectRef>
-          <a:fontRef idx="minor">
-            <a:schemeClr val="lt1"/>
-          </a:fontRef>
-        </p:style>
-        <p:txBody>
-          <a:bodyPr rot="0" spcFirstLastPara="0" vertOverflow="overflow" horzOverflow="overflow" vert="horz" wrap="square" lIns="91440" tIns="45720" rIns="91440" bIns="45720" numCol="1" spcCol="0" rtlCol="0" fromWordArt="0" anchor="ctr" anchorCtr="0" forceAA="0" compatLnSpc="1">
-            <a:prstTxWarp prst="textNoShape">
-              <a:avLst/>
-            </a:prstTxWarp>
-            <a:noAutofit/>
-          </a:bodyPr>
-          <a:lstStyle/>
-          <a:p>
-            <a:pPr algn="ctr"/>
-            <a:endParaRPr lang="ko-KR" altLang="en-US"/>
-          </a:p>
-        </p:txBody>
-      </p:sp>
-      <p:sp>
-        <p:nvSpPr>
-          <p:cNvPr id="68" name="직사각형 67">
-            <a:extLst>
-              <a:ext uri="{FF2B5EF4-FFF2-40B4-BE49-F238E27FC236}">
-                <a16:creationId xmlns:a16="http://schemas.microsoft.com/office/drawing/2014/main" id="{1FFCD8BA-3920-4685-ACBC-D3504877D058}"/>
-              </a:ext>
-            </a:extLst>
-          </p:cNvPr>
-          <p:cNvSpPr/>
-          <p:nvPr/>
-        </p:nvSpPr>
-        <p:spPr>
-          <a:xfrm>
-            <a:off x="6706452" y="3254545"/>
-            <a:ext cx="282013" cy="1903591"/>
-          </a:xfrm>
-          <a:prstGeom prst="rect">
-            <a:avLst/>
-          </a:prstGeom>
-          <a:solidFill>
-            <a:schemeClr val="bg1"/>
-          </a:solidFill>
-          <a:ln>
-            <a:noFill/>
-          </a:ln>
-        </p:spPr>
-        <p:style>
-          <a:lnRef idx="2">
-            <a:schemeClr val="accent1">
-              <a:shade val="50000"/>
-            </a:schemeClr>
-          </a:lnRef>
-          <a:fillRef idx="1">
-            <a:schemeClr val="accent1"/>
-          </a:fillRef>
-          <a:effectRef idx="0">
-            <a:schemeClr val="accent1"/>
-          </a:effectRef>
-          <a:fontRef idx="minor">
-            <a:schemeClr val="lt1"/>
-          </a:fontRef>
-        </p:style>
-        <p:txBody>
-          <a:bodyPr rot="0" spcFirstLastPara="0" vertOverflow="overflow" horzOverflow="overflow" vert="horz" wrap="square" lIns="91440" tIns="45720" rIns="91440" bIns="45720" numCol="1" spcCol="0" rtlCol="0" fromWordArt="0" anchor="ctr" anchorCtr="0" forceAA="0" compatLnSpc="1">
-            <a:prstTxWarp prst="textNoShape">
-              <a:avLst/>
-            </a:prstTxWarp>
-            <a:noAutofit/>
-          </a:bodyPr>
-          <a:lstStyle/>
-          <a:p>
-            <a:pPr algn="ctr"/>
-            <a:endParaRPr lang="ko-KR" altLang="en-US"/>
-          </a:p>
-        </p:txBody>
-      </p:sp>
-      <p:sp>
-        <p:nvSpPr>
-          <p:cNvPr id="69" name="직사각형 68">
-            <a:extLst>
-              <a:ext uri="{FF2B5EF4-FFF2-40B4-BE49-F238E27FC236}">
-                <a16:creationId xmlns:a16="http://schemas.microsoft.com/office/drawing/2014/main" id="{555C02AF-8406-404B-89B8-11DF1170E9F8}"/>
-              </a:ext>
-            </a:extLst>
-          </p:cNvPr>
-          <p:cNvSpPr/>
-          <p:nvPr/>
-        </p:nvSpPr>
-        <p:spPr>
-          <a:xfrm>
-            <a:off x="6706453" y="2849151"/>
-            <a:ext cx="282012" cy="581653"/>
-          </a:xfrm>
-          <a:prstGeom prst="rect">
-            <a:avLst/>
-          </a:prstGeom>
-          <a:solidFill>
-            <a:srgbClr val="152B39"/>
-          </a:solidFill>
-          <a:ln>
-            <a:noFill/>
-          </a:ln>
-        </p:spPr>
-        <p:style>
-          <a:lnRef idx="2">
-            <a:schemeClr val="accent1">
-              <a:shade val="50000"/>
-            </a:schemeClr>
-          </a:lnRef>
-          <a:fillRef idx="1">
-            <a:schemeClr val="accent1"/>
-          </a:fillRef>
-          <a:effectRef idx="0">
-            <a:schemeClr val="accent1"/>
-          </a:effectRef>
-          <a:fontRef idx="minor">
-            <a:schemeClr val="lt1"/>
-          </a:fontRef>
-        </p:style>
-        <p:txBody>
-          <a:bodyPr rot="0" spcFirstLastPara="0" vertOverflow="overflow" horzOverflow="overflow" vert="horz" wrap="square" lIns="91440" tIns="45720" rIns="91440" bIns="45720" numCol="1" spcCol="0" rtlCol="0" fromWordArt="0" anchor="ctr" anchorCtr="0" forceAA="0" compatLnSpc="1">
-            <a:prstTxWarp prst="textNoShape">
-              <a:avLst/>
-            </a:prstTxWarp>
-            <a:noAutofit/>
-          </a:bodyPr>
-          <a:lstStyle/>
-          <a:p>
-            <a:pPr algn="ctr"/>
-            <a:endParaRPr lang="ko-KR" altLang="en-US"/>
-          </a:p>
-        </p:txBody>
-      </p:sp>
-      <p:sp>
-        <p:nvSpPr>
-          <p:cNvPr id="70" name="직사각형 69">
-            <a:extLst>
-              <a:ext uri="{FF2B5EF4-FFF2-40B4-BE49-F238E27FC236}">
-                <a16:creationId xmlns:a16="http://schemas.microsoft.com/office/drawing/2014/main" id="{ABA9BC74-5672-46AE-A810-13F9AC9CFBC2}"/>
-              </a:ext>
-            </a:extLst>
-          </p:cNvPr>
-          <p:cNvSpPr/>
-          <p:nvPr/>
-        </p:nvSpPr>
-        <p:spPr>
-          <a:xfrm>
-            <a:off x="7360319" y="3430803"/>
-            <a:ext cx="282013" cy="1727332"/>
-          </a:xfrm>
-          <a:prstGeom prst="rect">
-            <a:avLst/>
-          </a:prstGeom>
-          <a:solidFill>
-            <a:schemeClr val="bg1"/>
-          </a:solidFill>
-          <a:ln>
-            <a:noFill/>
-          </a:ln>
-        </p:spPr>
-        <p:style>
-          <a:lnRef idx="2">
-            <a:schemeClr val="accent1">
-              <a:shade val="50000"/>
-            </a:schemeClr>
-          </a:lnRef>
-          <a:fillRef idx="1">
-            <a:schemeClr val="accent1"/>
-          </a:fillRef>
-          <a:effectRef idx="0">
-            <a:schemeClr val="accent1"/>
-          </a:effectRef>
-          <a:fontRef idx="minor">
-            <a:schemeClr val="lt1"/>
-          </a:fontRef>
-        </p:style>
-        <p:txBody>
-          <a:bodyPr rot="0" spcFirstLastPara="0" vertOverflow="overflow" horzOverflow="overflow" vert="horz" wrap="square" lIns="91440" tIns="45720" rIns="91440" bIns="45720" numCol="1" spcCol="0" rtlCol="0" fromWordArt="0" anchor="ctr" anchorCtr="0" forceAA="0" compatLnSpc="1">
-            <a:prstTxWarp prst="textNoShape">
-              <a:avLst/>
-            </a:prstTxWarp>
-            <a:noAutofit/>
-          </a:bodyPr>
-          <a:lstStyle/>
-          <a:p>
-            <a:pPr algn="ctr"/>
-            <a:endParaRPr lang="ko-KR" altLang="en-US"/>
-          </a:p>
-        </p:txBody>
-      </p:sp>
-      <p:sp>
-        <p:nvSpPr>
-          <p:cNvPr id="71" name="직사각형 70">
-            <a:extLst>
-              <a:ext uri="{FF2B5EF4-FFF2-40B4-BE49-F238E27FC236}">
-                <a16:creationId xmlns:a16="http://schemas.microsoft.com/office/drawing/2014/main" id="{5D7F96F2-7156-4D75-9103-2946C8F6674E}"/>
-              </a:ext>
-            </a:extLst>
-          </p:cNvPr>
-          <p:cNvSpPr/>
-          <p:nvPr/>
-        </p:nvSpPr>
-        <p:spPr>
-          <a:xfrm>
-            <a:off x="7360320" y="2285124"/>
-            <a:ext cx="282012" cy="1251434"/>
-          </a:xfrm>
-          <a:prstGeom prst="rect">
-            <a:avLst/>
-          </a:prstGeom>
-          <a:solidFill>
-            <a:srgbClr val="152B39"/>
-          </a:solidFill>
-          <a:ln>
-            <a:noFill/>
-          </a:ln>
-        </p:spPr>
-        <p:style>
-          <a:lnRef idx="2">
-            <a:schemeClr val="accent1">
-              <a:shade val="50000"/>
-            </a:schemeClr>
-          </a:lnRef>
-          <a:fillRef idx="1">
-            <a:schemeClr val="accent1"/>
-          </a:fillRef>
-          <a:effectRef idx="0">
-            <a:schemeClr val="accent1"/>
-          </a:effectRef>
-          <a:fontRef idx="minor">
-            <a:schemeClr val="lt1"/>
-          </a:fontRef>
-        </p:style>
-        <p:txBody>
-          <a:bodyPr rot="0" spcFirstLastPara="0" vertOverflow="overflow" horzOverflow="overflow" vert="horz" wrap="square" lIns="91440" tIns="45720" rIns="91440" bIns="45720" numCol="1" spcCol="0" rtlCol="0" fromWordArt="0" anchor="ctr" anchorCtr="0" forceAA="0" compatLnSpc="1">
-            <a:prstTxWarp prst="textNoShape">
-              <a:avLst/>
-            </a:prstTxWarp>
-            <a:noAutofit/>
-          </a:bodyPr>
-          <a:lstStyle/>
-          <a:p>
-            <a:pPr algn="ctr"/>
-            <a:endParaRPr lang="ko-KR" altLang="en-US"/>
-          </a:p>
-        </p:txBody>
-      </p:sp>
-      <p:sp>
-        <p:nvSpPr>
-          <p:cNvPr id="72" name="직사각형 71">
-            <a:extLst>
-              <a:ext uri="{FF2B5EF4-FFF2-40B4-BE49-F238E27FC236}">
-                <a16:creationId xmlns:a16="http://schemas.microsoft.com/office/drawing/2014/main" id="{75B3F772-6014-4C3C-9C06-3F66CD1BFC3A}"/>
-              </a:ext>
-            </a:extLst>
-          </p:cNvPr>
-          <p:cNvSpPr/>
-          <p:nvPr/>
-        </p:nvSpPr>
-        <p:spPr>
-          <a:xfrm>
-            <a:off x="8014187" y="2919652"/>
-            <a:ext cx="282013" cy="2238483"/>
-          </a:xfrm>
-          <a:prstGeom prst="rect">
-            <a:avLst/>
-          </a:prstGeom>
-          <a:solidFill>
-            <a:schemeClr val="bg1"/>
-          </a:solidFill>
-          <a:ln>
-            <a:noFill/>
-          </a:ln>
-        </p:spPr>
-        <p:style>
-          <a:lnRef idx="2">
-            <a:schemeClr val="accent1">
-              <a:shade val="50000"/>
-            </a:schemeClr>
-          </a:lnRef>
-          <a:fillRef idx="1">
-            <a:schemeClr val="accent1"/>
-          </a:fillRef>
-          <a:effectRef idx="0">
-            <a:schemeClr val="accent1"/>
-          </a:effectRef>
-          <a:fontRef idx="minor">
-            <a:schemeClr val="lt1"/>
-          </a:fontRef>
-        </p:style>
-        <p:txBody>
-          <a:bodyPr rot="0" spcFirstLastPara="0" vertOverflow="overflow" horzOverflow="overflow" vert="horz" wrap="square" lIns="91440" tIns="45720" rIns="91440" bIns="45720" numCol="1" spcCol="0" rtlCol="0" fromWordArt="0" anchor="ctr" anchorCtr="0" forceAA="0" compatLnSpc="1">
-            <a:prstTxWarp prst="textNoShape">
-              <a:avLst/>
-            </a:prstTxWarp>
-            <a:noAutofit/>
-          </a:bodyPr>
-          <a:lstStyle/>
-          <a:p>
-            <a:pPr algn="ctr"/>
-            <a:endParaRPr lang="ko-KR" altLang="en-US"/>
-          </a:p>
-        </p:txBody>
-      </p:sp>
-      <p:sp>
-        <p:nvSpPr>
-          <p:cNvPr id="73" name="직사각형 72">
-            <a:extLst>
-              <a:ext uri="{FF2B5EF4-FFF2-40B4-BE49-F238E27FC236}">
-                <a16:creationId xmlns:a16="http://schemas.microsoft.com/office/drawing/2014/main" id="{D5FBF532-99EF-4F1C-B989-3B52C50D5E39}"/>
-              </a:ext>
-            </a:extLst>
-          </p:cNvPr>
-          <p:cNvSpPr/>
-          <p:nvPr/>
-        </p:nvSpPr>
-        <p:spPr>
-          <a:xfrm>
-            <a:off x="8014188" y="1967858"/>
-            <a:ext cx="282012" cy="951794"/>
-          </a:xfrm>
-          <a:prstGeom prst="rect">
-            <a:avLst/>
-          </a:prstGeom>
-          <a:solidFill>
-            <a:srgbClr val="152B39"/>
-          </a:solidFill>
-          <a:ln>
-            <a:noFill/>
-          </a:ln>
-        </p:spPr>
-        <p:style>
-          <a:lnRef idx="2">
-            <a:schemeClr val="accent1">
-              <a:shade val="50000"/>
-            </a:schemeClr>
-          </a:lnRef>
-          <a:fillRef idx="1">
-            <a:schemeClr val="accent1"/>
-          </a:fillRef>
-          <a:effectRef idx="0">
-            <a:schemeClr val="accent1"/>
-          </a:effectRef>
-          <a:fontRef idx="minor">
-            <a:schemeClr val="lt1"/>
-          </a:fontRef>
-        </p:style>
-        <p:txBody>
-          <a:bodyPr rot="0" spcFirstLastPara="0" vertOverflow="overflow" horzOverflow="overflow" vert="horz" wrap="square" lIns="91440" tIns="45720" rIns="91440" bIns="45720" numCol="1" spcCol="0" rtlCol="0" fromWordArt="0" anchor="ctr" anchorCtr="0" forceAA="0" compatLnSpc="1">
-            <a:prstTxWarp prst="textNoShape">
-              <a:avLst/>
-            </a:prstTxWarp>
-            <a:noAutofit/>
-          </a:bodyPr>
-          <a:lstStyle/>
-          <a:p>
-            <a:pPr algn="ctr"/>
-            <a:endParaRPr lang="ko-KR" altLang="en-US"/>
-          </a:p>
-        </p:txBody>
-      </p:sp>
-      <p:sp>
-        <p:nvSpPr>
-          <p:cNvPr id="74" name="직사각형 73">
-            <a:extLst>
-              <a:ext uri="{FF2B5EF4-FFF2-40B4-BE49-F238E27FC236}">
-                <a16:creationId xmlns:a16="http://schemas.microsoft.com/office/drawing/2014/main" id="{29602B6A-8DDD-48FB-90F4-96D2934F1D0E}"/>
-              </a:ext>
-            </a:extLst>
-          </p:cNvPr>
-          <p:cNvSpPr/>
-          <p:nvPr/>
-        </p:nvSpPr>
-        <p:spPr>
-          <a:xfrm>
-            <a:off x="8668058" y="3800947"/>
-            <a:ext cx="282013" cy="1357189"/>
-          </a:xfrm>
-          <a:prstGeom prst="rect">
-            <a:avLst/>
-          </a:prstGeom>
-          <a:solidFill>
-            <a:schemeClr val="bg1"/>
-          </a:solidFill>
-          <a:ln>
-            <a:noFill/>
-          </a:ln>
-        </p:spPr>
-        <p:style>
-          <a:lnRef idx="2">
-            <a:schemeClr val="accent1">
-              <a:shade val="50000"/>
-            </a:schemeClr>
-          </a:lnRef>
-          <a:fillRef idx="1">
-            <a:schemeClr val="accent1"/>
-          </a:fillRef>
-          <a:effectRef idx="0">
-            <a:schemeClr val="accent1"/>
-          </a:effectRef>
-          <a:fontRef idx="minor">
-            <a:schemeClr val="lt1"/>
-          </a:fontRef>
-        </p:style>
-        <p:txBody>
-          <a:bodyPr rot="0" spcFirstLastPara="0" vertOverflow="overflow" horzOverflow="overflow" vert="horz" wrap="square" lIns="91440" tIns="45720" rIns="91440" bIns="45720" numCol="1" spcCol="0" rtlCol="0" fromWordArt="0" anchor="ctr" anchorCtr="0" forceAA="0" compatLnSpc="1">
-            <a:prstTxWarp prst="textNoShape">
-              <a:avLst/>
-            </a:prstTxWarp>
-            <a:noAutofit/>
-          </a:bodyPr>
-          <a:lstStyle/>
-          <a:p>
-            <a:pPr algn="ctr"/>
-            <a:endParaRPr lang="ko-KR" altLang="en-US"/>
-          </a:p>
-        </p:txBody>
-      </p:sp>
-      <p:sp>
-        <p:nvSpPr>
-          <p:cNvPr id="75" name="직사각형 74">
-            <a:extLst>
-              <a:ext uri="{FF2B5EF4-FFF2-40B4-BE49-F238E27FC236}">
-                <a16:creationId xmlns:a16="http://schemas.microsoft.com/office/drawing/2014/main" id="{B4481B9C-6155-4CA8-9A7D-F07C67539561}"/>
-              </a:ext>
-            </a:extLst>
-          </p:cNvPr>
-          <p:cNvSpPr/>
-          <p:nvPr/>
-        </p:nvSpPr>
-        <p:spPr>
-          <a:xfrm>
-            <a:off x="8668059" y="3536559"/>
-            <a:ext cx="282012" cy="898918"/>
-          </a:xfrm>
-          <a:prstGeom prst="rect">
-            <a:avLst/>
-          </a:prstGeom>
-          <a:solidFill>
-            <a:srgbClr val="152B39"/>
-          </a:solidFill>
-          <a:ln>
-            <a:noFill/>
-          </a:ln>
-        </p:spPr>
-        <p:style>
-          <a:lnRef idx="2">
-            <a:schemeClr val="accent1">
-              <a:shade val="50000"/>
-            </a:schemeClr>
-          </a:lnRef>
-          <a:fillRef idx="1">
-            <a:schemeClr val="accent1"/>
-          </a:fillRef>
-          <a:effectRef idx="0">
-            <a:schemeClr val="accent1"/>
-          </a:effectRef>
-          <a:fontRef idx="minor">
-            <a:schemeClr val="lt1"/>
-          </a:fontRef>
-        </p:style>
-        <p:txBody>
-          <a:bodyPr rot="0" spcFirstLastPara="0" vertOverflow="overflow" horzOverflow="overflow" vert="horz" wrap="square" lIns="91440" tIns="45720" rIns="91440" bIns="45720" numCol="1" spcCol="0" rtlCol="0" fromWordArt="0" anchor="ctr" anchorCtr="0" forceAA="0" compatLnSpc="1">
-            <a:prstTxWarp prst="textNoShape">
-              <a:avLst/>
-            </a:prstTxWarp>
-            <a:noAutofit/>
-          </a:bodyPr>
-          <a:lstStyle/>
-          <a:p>
-            <a:pPr algn="ctr"/>
-            <a:endParaRPr lang="ko-KR" altLang="en-US"/>
-          </a:p>
-        </p:txBody>
-      </p:sp>
-      <p:sp>
-        <p:nvSpPr>
-          <p:cNvPr id="76" name="TextBox 75">
-            <a:extLst>
-              <a:ext uri="{FF2B5EF4-FFF2-40B4-BE49-F238E27FC236}">
-                <a16:creationId xmlns:a16="http://schemas.microsoft.com/office/drawing/2014/main" id="{9335B363-DFCE-49EA-A60E-00975C57CF80}"/>
-              </a:ext>
-            </a:extLst>
-          </p:cNvPr>
-          <p:cNvSpPr txBox="1"/>
-          <p:nvPr/>
-        </p:nvSpPr>
-        <p:spPr>
-          <a:xfrm>
-            <a:off x="2552014" y="5377877"/>
-            <a:ext cx="6425157" cy="246221"/>
-          </a:xfrm>
-          <a:prstGeom prst="rect">
-            <a:avLst/>
-          </a:prstGeom>
-          <a:noFill/>
-        </p:spPr>
-        <p:txBody>
-          <a:bodyPr wrap="none" rtlCol="0">
-            <a:spAutoFit/>
-          </a:bodyPr>
-          <a:lstStyle>
-            <a:defPPr>
-              <a:defRPr lang="ko-KR"/>
-            </a:defPPr>
-            <a:lvl1pPr>
-              <a:defRPr sz="1400">
-                <a:ln>
-                  <a:solidFill>
-                    <a:schemeClr val="tx1">
-                      <a:lumMod val="75000"/>
-                      <a:lumOff val="25000"/>
-                      <a:alpha val="15000"/>
-                    </a:schemeClr>
-                  </a:solidFill>
-                </a:ln>
-                <a:solidFill>
-                  <a:schemeClr val="tx1">
-                    <a:lumMod val="75000"/>
-                    <a:lumOff val="25000"/>
-                  </a:schemeClr>
-                </a:solidFill>
-                <a:latin typeface="KoPub돋움체 Medium" panose="00000600000000000000" pitchFamily="2" charset="-127"/>
-                <a:ea typeface="KoPub돋움체 Medium" panose="00000600000000000000" pitchFamily="2" charset="-127"/>
-              </a:defRPr>
-            </a:lvl1pPr>
-          </a:lstStyle>
-          <a:p>
-            <a:r>
-              <a:rPr lang="ko-KR" altLang="en-US" sz="1000" dirty="0"/>
-              <a:t>여기에는</a:t>
-            </a:r>
-            <a:r>
-              <a:rPr lang="en-US" altLang="ko-KR" sz="1000" dirty="0"/>
-              <a:t> </a:t>
-            </a:r>
-            <a:r>
-              <a:rPr lang="ko-KR" altLang="en-US" sz="1000" dirty="0"/>
-              <a:t>내용을 입력해주세요 여기에는 내용을 입력해주세요 여기에는 내용을 입력해주세요 여기에는 내용을 입력해주세요</a:t>
-            </a:r>
-          </a:p>
-        </p:txBody>
-      </p:sp>
-      <p:sp>
-        <p:nvSpPr>
-          <p:cNvPr id="77" name="TextBox 76">
-            <a:extLst>
-              <a:ext uri="{FF2B5EF4-FFF2-40B4-BE49-F238E27FC236}">
-                <a16:creationId xmlns:a16="http://schemas.microsoft.com/office/drawing/2014/main" id="{1BBA07DC-67E4-43A7-A078-CD2F0F9FBF8C}"/>
-              </a:ext>
-            </a:extLst>
-          </p:cNvPr>
-          <p:cNvSpPr txBox="1"/>
-          <p:nvPr/>
-        </p:nvSpPr>
-        <p:spPr>
-          <a:xfrm>
-            <a:off x="2827882" y="5631012"/>
-            <a:ext cx="5939446" cy="246221"/>
-          </a:xfrm>
-          <a:prstGeom prst="rect">
-            <a:avLst/>
-          </a:prstGeom>
-          <a:noFill/>
-        </p:spPr>
-        <p:txBody>
-          <a:bodyPr wrap="none" rtlCol="0">
-            <a:spAutoFit/>
-          </a:bodyPr>
-          <a:lstStyle>
-            <a:defPPr>
-              <a:defRPr lang="ko-KR"/>
-            </a:defPPr>
-            <a:lvl1pPr>
-              <a:defRPr sz="1400">
-                <a:ln>
-                  <a:solidFill>
-                    <a:schemeClr val="tx1">
-                      <a:lumMod val="75000"/>
-                      <a:lumOff val="25000"/>
-                      <a:alpha val="15000"/>
-                    </a:schemeClr>
-                  </a:solidFill>
-                </a:ln>
-                <a:solidFill>
-                  <a:schemeClr val="tx1">
-                    <a:lumMod val="75000"/>
-                    <a:lumOff val="25000"/>
-                  </a:schemeClr>
-                </a:solidFill>
-                <a:latin typeface="KoPub돋움체 Medium" panose="00000600000000000000" pitchFamily="2" charset="-127"/>
-                <a:ea typeface="KoPub돋움체 Medium" panose="00000600000000000000" pitchFamily="2" charset="-127"/>
-              </a:defRPr>
-            </a:lvl1pPr>
-          </a:lstStyle>
-          <a:p>
-            <a:r>
-              <a:rPr lang="ko-KR" altLang="en-US" sz="1000" dirty="0"/>
-              <a:t>여기에는</a:t>
-            </a:r>
-            <a:r>
-              <a:rPr lang="en-US" altLang="ko-KR" sz="1000" dirty="0"/>
-              <a:t> </a:t>
-            </a:r>
-            <a:r>
-              <a:rPr lang="ko-KR" altLang="en-US" sz="1000" dirty="0"/>
-              <a:t>내용을 입력해주세요 여기에는 내용을 입력해주세요 여기에는 내용을 입력해주세요 내용을 입력해주세요</a:t>
-            </a:r>
-          </a:p>
-        </p:txBody>
-      </p:sp>
-      <p:sp>
-        <p:nvSpPr>
-          <p:cNvPr id="78" name="TextBox 77">
-            <a:extLst>
-              <a:ext uri="{FF2B5EF4-FFF2-40B4-BE49-F238E27FC236}">
-                <a16:creationId xmlns:a16="http://schemas.microsoft.com/office/drawing/2014/main" id="{BB5B9679-1BE9-4DF2-9CA0-E69B14F6DAE4}"/>
-              </a:ext>
-            </a:extLst>
-          </p:cNvPr>
-          <p:cNvSpPr txBox="1"/>
-          <p:nvPr/>
-        </p:nvSpPr>
-        <p:spPr>
-          <a:xfrm>
-            <a:off x="1903305" y="4987275"/>
-            <a:ext cx="285065" cy="313244"/>
-          </a:xfrm>
-          <a:prstGeom prst="rect">
-            <a:avLst/>
-          </a:prstGeom>
-          <a:noFill/>
-        </p:spPr>
-        <p:txBody>
-          <a:bodyPr wrap="none" rtlCol="0">
-            <a:spAutoFit/>
-          </a:bodyPr>
-          <a:lstStyle>
-            <a:defPPr>
-              <a:defRPr lang="ko-KR"/>
-            </a:defPPr>
-            <a:lvl1pPr>
-              <a:defRPr sz="1600">
-                <a:ln>
-                  <a:solidFill>
-                    <a:schemeClr val="bg2">
-                      <a:lumMod val="50000"/>
-                      <a:alpha val="15000"/>
-                    </a:schemeClr>
-                  </a:solidFill>
-                </a:ln>
-                <a:solidFill>
-                  <a:schemeClr val="bg2">
-                    <a:lumMod val="10000"/>
-                  </a:schemeClr>
-                </a:solidFill>
-                <a:latin typeface="나눔스퀘어" panose="020B0600000101010101" pitchFamily="50" charset="-127"/>
-                <a:ea typeface="나눔스퀘어" panose="020B0600000101010101" pitchFamily="50" charset="-127"/>
-                <a:cs typeface="조선일보명조" panose="02030304000000000000" pitchFamily="18" charset="-127"/>
-              </a:defRPr>
-            </a:lvl1pPr>
-          </a:lstStyle>
-          <a:p>
-            <a:r>
-              <a:rPr lang="en-US" altLang="ko-KR" dirty="0"/>
-              <a:t>0</a:t>
-            </a:r>
-            <a:endParaRPr lang="ko-KR" altLang="en-US" dirty="0"/>
-          </a:p>
-        </p:txBody>
-      </p:sp>
-      <p:sp>
-        <p:nvSpPr>
-          <p:cNvPr id="79" name="TextBox 78">
-            <a:extLst>
-              <a:ext uri="{FF2B5EF4-FFF2-40B4-BE49-F238E27FC236}">
-                <a16:creationId xmlns:a16="http://schemas.microsoft.com/office/drawing/2014/main" id="{5D0C7A50-A036-4268-BD03-A6A58FE5F778}"/>
-              </a:ext>
-            </a:extLst>
-          </p:cNvPr>
-          <p:cNvSpPr txBox="1"/>
-          <p:nvPr/>
-        </p:nvSpPr>
-        <p:spPr>
-          <a:xfrm>
-            <a:off x="1903305" y="4319292"/>
-            <a:ext cx="285065" cy="313244"/>
-          </a:xfrm>
-          <a:prstGeom prst="rect">
-            <a:avLst/>
-          </a:prstGeom>
-          <a:noFill/>
-        </p:spPr>
-        <p:txBody>
-          <a:bodyPr wrap="none" rtlCol="0">
-            <a:spAutoFit/>
-          </a:bodyPr>
-          <a:lstStyle>
-            <a:defPPr>
-              <a:defRPr lang="ko-KR"/>
-            </a:defPPr>
-            <a:lvl1pPr>
-              <a:defRPr sz="1600">
-                <a:ln>
-                  <a:solidFill>
-                    <a:schemeClr val="bg2">
-                      <a:lumMod val="50000"/>
-                      <a:alpha val="15000"/>
-                    </a:schemeClr>
-                  </a:solidFill>
-                </a:ln>
-                <a:solidFill>
-                  <a:schemeClr val="bg2">
-                    <a:lumMod val="10000"/>
-                  </a:schemeClr>
-                </a:solidFill>
-                <a:latin typeface="나눔스퀘어" panose="020B0600000101010101" pitchFamily="50" charset="-127"/>
-                <a:ea typeface="나눔스퀘어" panose="020B0600000101010101" pitchFamily="50" charset="-127"/>
-                <a:cs typeface="조선일보명조" panose="02030304000000000000" pitchFamily="18" charset="-127"/>
-              </a:defRPr>
-            </a:lvl1pPr>
-          </a:lstStyle>
-          <a:p>
-            <a:r>
-              <a:rPr lang="en-US" altLang="ko-KR" dirty="0"/>
-              <a:t>5</a:t>
-            </a:r>
-            <a:endParaRPr lang="ko-KR" altLang="en-US" dirty="0"/>
-          </a:p>
-        </p:txBody>
-      </p:sp>
-      <p:sp>
-        <p:nvSpPr>
-          <p:cNvPr id="80" name="TextBox 79">
-            <a:extLst>
-              <a:ext uri="{FF2B5EF4-FFF2-40B4-BE49-F238E27FC236}">
-                <a16:creationId xmlns:a16="http://schemas.microsoft.com/office/drawing/2014/main" id="{B5D2276A-7873-45A4-B5C8-F12BBF0E623A}"/>
-              </a:ext>
-            </a:extLst>
-          </p:cNvPr>
-          <p:cNvSpPr txBox="1"/>
-          <p:nvPr/>
-        </p:nvSpPr>
-        <p:spPr>
-          <a:xfrm>
-            <a:off x="1838224" y="2983322"/>
-            <a:ext cx="399267" cy="313244"/>
-          </a:xfrm>
-          <a:prstGeom prst="rect">
-            <a:avLst/>
-          </a:prstGeom>
-          <a:noFill/>
-        </p:spPr>
-        <p:txBody>
-          <a:bodyPr wrap="none" rtlCol="0">
-            <a:spAutoFit/>
-          </a:bodyPr>
-          <a:lstStyle>
-            <a:defPPr>
-              <a:defRPr lang="ko-KR"/>
-            </a:defPPr>
-            <a:lvl1pPr>
-              <a:defRPr sz="1600">
-                <a:ln>
-                  <a:solidFill>
-                    <a:schemeClr val="bg2">
-                      <a:lumMod val="50000"/>
-                      <a:alpha val="15000"/>
-                    </a:schemeClr>
-                  </a:solidFill>
-                </a:ln>
-                <a:solidFill>
-                  <a:schemeClr val="bg2">
-                    <a:lumMod val="10000"/>
-                  </a:schemeClr>
-                </a:solidFill>
-                <a:latin typeface="나눔스퀘어" panose="020B0600000101010101" pitchFamily="50" charset="-127"/>
-                <a:ea typeface="나눔스퀘어" panose="020B0600000101010101" pitchFamily="50" charset="-127"/>
-                <a:cs typeface="조선일보명조" panose="02030304000000000000" pitchFamily="18" charset="-127"/>
-              </a:defRPr>
-            </a:lvl1pPr>
-          </a:lstStyle>
-          <a:p>
-            <a:r>
-              <a:rPr lang="en-US" altLang="ko-KR"/>
-              <a:t>1</a:t>
-            </a:r>
-            <a:r>
-              <a:rPr lang="en-US" altLang="ko-KR" dirty="0"/>
-              <a:t>5</a:t>
-            </a:r>
-            <a:endParaRPr lang="ko-KR" altLang="en-US" dirty="0"/>
-          </a:p>
-        </p:txBody>
-      </p:sp>
-      <p:sp>
-        <p:nvSpPr>
-          <p:cNvPr id="81" name="TextBox 80">
-            <a:extLst>
-              <a:ext uri="{FF2B5EF4-FFF2-40B4-BE49-F238E27FC236}">
-                <a16:creationId xmlns:a16="http://schemas.microsoft.com/office/drawing/2014/main" id="{2F6B2F71-A7CD-4F80-BC18-7CF046D77448}"/>
-              </a:ext>
-            </a:extLst>
-          </p:cNvPr>
-          <p:cNvSpPr txBox="1"/>
-          <p:nvPr/>
-        </p:nvSpPr>
-        <p:spPr>
-          <a:xfrm>
-            <a:off x="1838224" y="2315337"/>
-            <a:ext cx="399267" cy="313244"/>
-          </a:xfrm>
-          <a:prstGeom prst="rect">
-            <a:avLst/>
-          </a:prstGeom>
-          <a:noFill/>
-        </p:spPr>
-        <p:txBody>
-          <a:bodyPr wrap="none" rtlCol="0">
-            <a:spAutoFit/>
-          </a:bodyPr>
-          <a:lstStyle>
-            <a:defPPr>
-              <a:defRPr lang="ko-KR"/>
-            </a:defPPr>
-            <a:lvl1pPr>
-              <a:defRPr sz="1600">
-                <a:ln>
-                  <a:solidFill>
-                    <a:schemeClr val="bg2">
-                      <a:lumMod val="50000"/>
-                      <a:alpha val="15000"/>
-                    </a:schemeClr>
-                  </a:solidFill>
-                </a:ln>
-                <a:solidFill>
-                  <a:schemeClr val="bg2">
-                    <a:lumMod val="10000"/>
-                  </a:schemeClr>
-                </a:solidFill>
-                <a:latin typeface="나눔스퀘어" panose="020B0600000101010101" pitchFamily="50" charset="-127"/>
-                <a:ea typeface="나눔스퀘어" panose="020B0600000101010101" pitchFamily="50" charset="-127"/>
-                <a:cs typeface="조선일보명조" panose="02030304000000000000" pitchFamily="18" charset="-127"/>
-              </a:defRPr>
-            </a:lvl1pPr>
-          </a:lstStyle>
-          <a:p>
-            <a:r>
-              <a:rPr lang="en-US" altLang="ko-KR"/>
-              <a:t>2</a:t>
-            </a:r>
-            <a:r>
-              <a:rPr lang="en-US" altLang="ko-KR" dirty="0"/>
-              <a:t>0</a:t>
-            </a:r>
-            <a:endParaRPr lang="ko-KR" altLang="en-US" dirty="0"/>
-          </a:p>
-        </p:txBody>
-      </p:sp>
-      <p:sp>
-        <p:nvSpPr>
-          <p:cNvPr id="82" name="TextBox 81">
-            <a:extLst>
-              <a:ext uri="{FF2B5EF4-FFF2-40B4-BE49-F238E27FC236}">
-                <a16:creationId xmlns:a16="http://schemas.microsoft.com/office/drawing/2014/main" id="{196D0FB5-5B73-4667-A8DD-D891AC6C7D7A}"/>
-              </a:ext>
-            </a:extLst>
-          </p:cNvPr>
-          <p:cNvSpPr txBox="1"/>
-          <p:nvPr/>
-        </p:nvSpPr>
-        <p:spPr>
-          <a:xfrm>
-            <a:off x="1838224" y="1647352"/>
-            <a:ext cx="399267" cy="313244"/>
-          </a:xfrm>
-          <a:prstGeom prst="rect">
-            <a:avLst/>
-          </a:prstGeom>
-          <a:noFill/>
-        </p:spPr>
-        <p:txBody>
-          <a:bodyPr wrap="none" rtlCol="0">
-            <a:spAutoFit/>
-          </a:bodyPr>
-          <a:lstStyle>
-            <a:defPPr>
-              <a:defRPr lang="ko-KR"/>
-            </a:defPPr>
-            <a:lvl1pPr>
-              <a:defRPr sz="1600">
-                <a:ln>
-                  <a:solidFill>
-                    <a:schemeClr val="bg2">
-                      <a:lumMod val="50000"/>
-                      <a:alpha val="15000"/>
-                    </a:schemeClr>
-                  </a:solidFill>
-                </a:ln>
-                <a:solidFill>
-                  <a:schemeClr val="bg2">
-                    <a:lumMod val="10000"/>
-                  </a:schemeClr>
-                </a:solidFill>
-                <a:latin typeface="나눔스퀘어" panose="020B0600000101010101" pitchFamily="50" charset="-127"/>
-                <a:ea typeface="나눔스퀘어" panose="020B0600000101010101" pitchFamily="50" charset="-127"/>
-                <a:cs typeface="조선일보명조" panose="02030304000000000000" pitchFamily="18" charset="-127"/>
-              </a:defRPr>
-            </a:lvl1pPr>
-          </a:lstStyle>
-          <a:p>
-            <a:r>
-              <a:rPr lang="en-US" altLang="ko-KR" dirty="0"/>
-              <a:t>25</a:t>
-            </a:r>
-            <a:endParaRPr lang="ko-KR" altLang="en-US" dirty="0"/>
-          </a:p>
-        </p:txBody>
-      </p:sp>
-      <p:sp>
-        <p:nvSpPr>
-          <p:cNvPr id="83" name="TextBox 82">
-            <a:extLst>
-              <a:ext uri="{FF2B5EF4-FFF2-40B4-BE49-F238E27FC236}">
-                <a16:creationId xmlns:a16="http://schemas.microsoft.com/office/drawing/2014/main" id="{FB0AED4B-DEB3-43D9-BAC6-C8BF1223C4A3}"/>
-              </a:ext>
-            </a:extLst>
-          </p:cNvPr>
-          <p:cNvSpPr txBox="1"/>
-          <p:nvPr/>
-        </p:nvSpPr>
-        <p:spPr>
-          <a:xfrm>
-            <a:off x="1838224" y="3651307"/>
-            <a:ext cx="399267" cy="313244"/>
-          </a:xfrm>
-          <a:prstGeom prst="rect">
-            <a:avLst/>
-          </a:prstGeom>
-          <a:noFill/>
-        </p:spPr>
-        <p:txBody>
-          <a:bodyPr wrap="none" rtlCol="0">
-            <a:spAutoFit/>
-          </a:bodyPr>
-          <a:lstStyle>
-            <a:defPPr>
-              <a:defRPr lang="ko-KR"/>
-            </a:defPPr>
-            <a:lvl1pPr>
-              <a:defRPr sz="1600">
-                <a:ln>
-                  <a:solidFill>
-                    <a:schemeClr val="bg2">
-                      <a:lumMod val="50000"/>
-                      <a:alpha val="15000"/>
-                    </a:schemeClr>
-                  </a:solidFill>
-                </a:ln>
-                <a:solidFill>
-                  <a:schemeClr val="bg2">
-                    <a:lumMod val="10000"/>
-                  </a:schemeClr>
-                </a:solidFill>
-                <a:latin typeface="나눔스퀘어" panose="020B0600000101010101" pitchFamily="50" charset="-127"/>
-                <a:ea typeface="나눔스퀘어" panose="020B0600000101010101" pitchFamily="50" charset="-127"/>
-                <a:cs typeface="조선일보명조" panose="02030304000000000000" pitchFamily="18" charset="-127"/>
-              </a:defRPr>
-            </a:lvl1pPr>
-          </a:lstStyle>
-          <a:p>
-            <a:r>
-              <a:rPr lang="en-US" altLang="ko-KR" dirty="0"/>
-              <a:t>10</a:t>
-            </a:r>
-            <a:endParaRPr lang="ko-KR" altLang="en-US" dirty="0"/>
-          </a:p>
-        </p:txBody>
-      </p:sp>
-      <p:sp>
-        <p:nvSpPr>
-          <p:cNvPr id="84" name="TextBox 83">
-            <a:extLst>
-              <a:ext uri="{FF2B5EF4-FFF2-40B4-BE49-F238E27FC236}">
-                <a16:creationId xmlns:a16="http://schemas.microsoft.com/office/drawing/2014/main" id="{85440978-60F0-4D3B-9C6F-D9E78745A5D5}"/>
-              </a:ext>
-            </a:extLst>
-          </p:cNvPr>
-          <p:cNvSpPr txBox="1"/>
-          <p:nvPr/>
-        </p:nvSpPr>
-        <p:spPr>
-          <a:xfrm>
-            <a:off x="9875684" y="4347428"/>
-            <a:ext cx="489236" cy="246221"/>
-          </a:xfrm>
-          <a:prstGeom prst="rect">
-            <a:avLst/>
-          </a:prstGeom>
-          <a:noFill/>
-        </p:spPr>
-        <p:txBody>
-          <a:bodyPr wrap="none" rtlCol="0">
-            <a:spAutoFit/>
-          </a:bodyPr>
-          <a:lstStyle/>
-          <a:p>
-            <a:r>
-              <a:rPr lang="ko-KR" altLang="en-US" sz="1000" dirty="0">
-                <a:ln>
-                  <a:solidFill>
-                    <a:schemeClr val="bg2">
-                      <a:lumMod val="50000"/>
-                      <a:alpha val="15000"/>
-                    </a:schemeClr>
-                  </a:solidFill>
-                </a:ln>
-                <a:solidFill>
-                  <a:schemeClr val="bg2">
-                    <a:lumMod val="50000"/>
-                  </a:schemeClr>
-                </a:solidFill>
-                <a:latin typeface="나눔스퀘어" panose="020B0600000101010101" pitchFamily="50" charset="-127"/>
-                <a:ea typeface="나눔스퀘어" panose="020B0600000101010101" pitchFamily="50" charset="-127"/>
-                <a:cs typeface="조선일보명조" panose="02030304000000000000" pitchFamily="18" charset="-127"/>
-              </a:rPr>
-              <a:t>단위 </a:t>
-            </a:r>
-            <a:r>
-              <a:rPr lang="en-US" altLang="ko-KR" sz="1000" dirty="0">
-                <a:ln>
-                  <a:solidFill>
-                    <a:schemeClr val="bg2">
-                      <a:lumMod val="50000"/>
-                      <a:alpha val="15000"/>
-                    </a:schemeClr>
-                  </a:solidFill>
-                </a:ln>
-                <a:solidFill>
-                  <a:schemeClr val="bg2">
-                    <a:lumMod val="50000"/>
-                  </a:schemeClr>
-                </a:solidFill>
-                <a:latin typeface="나눔스퀘어" panose="020B0600000101010101" pitchFamily="50" charset="-127"/>
-                <a:ea typeface="나눔스퀘어" panose="020B0600000101010101" pitchFamily="50" charset="-127"/>
-                <a:cs typeface="조선일보명조" panose="02030304000000000000" pitchFamily="18" charset="-127"/>
-              </a:rPr>
-              <a:t>:</a:t>
-            </a:r>
-            <a:endParaRPr lang="ko-KR" altLang="en-US" sz="1000" dirty="0">
-              <a:ln>
-                <a:solidFill>
-                  <a:schemeClr val="bg2">
-                    <a:lumMod val="50000"/>
-                    <a:alpha val="15000"/>
-                  </a:schemeClr>
-                </a:solidFill>
-              </a:ln>
-              <a:solidFill>
-                <a:schemeClr val="bg2">
-                  <a:lumMod val="50000"/>
-                </a:schemeClr>
-              </a:solidFill>
-              <a:latin typeface="나눔스퀘어" panose="020B0600000101010101" pitchFamily="50" charset="-127"/>
-              <a:ea typeface="나눔스퀘어" panose="020B0600000101010101" pitchFamily="50" charset="-127"/>
-              <a:cs typeface="조선일보명조" panose="02030304000000000000" pitchFamily="18" charset="-127"/>
-            </a:endParaRPr>
-          </a:p>
-        </p:txBody>
-      </p:sp>
-      <p:sp>
-        <p:nvSpPr>
-          <p:cNvPr id="85" name="TextBox 84">
-            <a:extLst>
-              <a:ext uri="{FF2B5EF4-FFF2-40B4-BE49-F238E27FC236}">
-                <a16:creationId xmlns:a16="http://schemas.microsoft.com/office/drawing/2014/main" id="{793DE9E6-990B-463C-83FD-949706627B18}"/>
-              </a:ext>
-            </a:extLst>
-          </p:cNvPr>
-          <p:cNvSpPr txBox="1"/>
-          <p:nvPr/>
-        </p:nvSpPr>
-        <p:spPr>
-          <a:xfrm>
-            <a:off x="9875684" y="4573290"/>
-            <a:ext cx="489236" cy="246221"/>
-          </a:xfrm>
-          <a:prstGeom prst="rect">
-            <a:avLst/>
-          </a:prstGeom>
-          <a:noFill/>
-        </p:spPr>
-        <p:txBody>
-          <a:bodyPr wrap="none" rtlCol="0">
-            <a:spAutoFit/>
-          </a:bodyPr>
-          <a:lstStyle/>
-          <a:p>
-            <a:r>
-              <a:rPr lang="ko-KR" altLang="en-US" sz="1000" dirty="0">
-                <a:ln>
-                  <a:solidFill>
-                    <a:schemeClr val="bg2">
-                      <a:lumMod val="50000"/>
-                      <a:alpha val="15000"/>
-                    </a:schemeClr>
-                  </a:solidFill>
-                </a:ln>
-                <a:solidFill>
-                  <a:schemeClr val="bg2">
-                    <a:lumMod val="50000"/>
-                  </a:schemeClr>
-                </a:solidFill>
-                <a:latin typeface="나눔스퀘어" panose="020B0600000101010101" pitchFamily="50" charset="-127"/>
-                <a:ea typeface="나눔스퀘어" panose="020B0600000101010101" pitchFamily="50" charset="-127"/>
-                <a:cs typeface="조선일보명조" panose="02030304000000000000" pitchFamily="18" charset="-127"/>
-              </a:rPr>
-              <a:t>출처 </a:t>
-            </a:r>
-            <a:r>
-              <a:rPr lang="en-US" altLang="ko-KR" sz="1000" dirty="0">
-                <a:ln>
-                  <a:solidFill>
-                    <a:schemeClr val="bg2">
-                      <a:lumMod val="50000"/>
-                      <a:alpha val="15000"/>
-                    </a:schemeClr>
-                  </a:solidFill>
-                </a:ln>
-                <a:solidFill>
-                  <a:schemeClr val="bg2">
-                    <a:lumMod val="50000"/>
-                  </a:schemeClr>
-                </a:solidFill>
-                <a:latin typeface="나눔스퀘어" panose="020B0600000101010101" pitchFamily="50" charset="-127"/>
-                <a:ea typeface="나눔스퀘어" panose="020B0600000101010101" pitchFamily="50" charset="-127"/>
-                <a:cs typeface="조선일보명조" panose="02030304000000000000" pitchFamily="18" charset="-127"/>
-              </a:rPr>
-              <a:t>:</a:t>
-            </a:r>
-            <a:endParaRPr lang="ko-KR" altLang="en-US" sz="1000" dirty="0">
-              <a:ln>
-                <a:solidFill>
-                  <a:schemeClr val="bg2">
-                    <a:lumMod val="50000"/>
-                    <a:alpha val="15000"/>
-                  </a:schemeClr>
-                </a:solidFill>
-              </a:ln>
-              <a:solidFill>
-                <a:schemeClr val="bg2">
-                  <a:lumMod val="50000"/>
-                </a:schemeClr>
-              </a:solidFill>
-              <a:latin typeface="나눔스퀘어" panose="020B0600000101010101" pitchFamily="50" charset="-127"/>
-              <a:ea typeface="나눔스퀘어" panose="020B0600000101010101" pitchFamily="50" charset="-127"/>
-              <a:cs typeface="조선일보명조" panose="02030304000000000000" pitchFamily="18" charset="-127"/>
-            </a:endParaRPr>
-          </a:p>
-        </p:txBody>
-      </p:sp>
-    </p:spTree>
-    <p:extLst>
-      <p:ext uri="{BB962C8B-B14F-4D97-AF65-F5344CB8AC3E}">
-        <p14:creationId xmlns:p14="http://schemas.microsoft.com/office/powerpoint/2010/main" val="878883910"/>
-      </p:ext>
-    </p:extLst>
-  </p:cSld>
-  <p:clrMapOvr>
-    <a:masterClrMapping/>
-  </p:clrMapOvr>
-</p:sld>
-</file>
-
-<file path=ppt/slides/slide9.xml><?xml version="1.0" encoding="utf-8"?>
 <p:sld xmlns:a="http://schemas.openxmlformats.org/drawingml/2006/main" xmlns:r="http://schemas.openxmlformats.org/officeDocument/2006/relationships" xmlns:p="http://schemas.openxmlformats.org/presentationml/2006/main">
   <p:cSld>
     <p:bg>
@@ -10985,90 +7371,4 @@
     </a:folHlink>
   </a:clrScheme>
 </a:themeOverride>
-</file>
-
-<file path=ppt/theme/themeOverride4.xml><?xml version="1.0" encoding="utf-8"?>
-<a:themeOverride xmlns:a="http://schemas.openxmlformats.org/drawingml/2006/main">
-  <a:clrScheme name="Office">
-    <a:dk1>
-      <a:sysClr val="windowText" lastClr="000000"/>
-    </a:dk1>
-    <a:lt1>
-      <a:sysClr val="window" lastClr="FFFFFF"/>
-    </a:lt1>
-    <a:dk2>
-      <a:srgbClr val="44546A"/>
-    </a:dk2>
-    <a:lt2>
-      <a:srgbClr val="E7E6E6"/>
-    </a:lt2>
-    <a:accent1>
-      <a:srgbClr val="5B9BD5"/>
-    </a:accent1>
-    <a:accent2>
-      <a:srgbClr val="ED7D31"/>
-    </a:accent2>
-    <a:accent3>
-      <a:srgbClr val="A5A5A5"/>
-    </a:accent3>
-    <a:accent4>
-      <a:srgbClr val="FFC000"/>
-    </a:accent4>
-    <a:accent5>
-      <a:srgbClr val="4472C4"/>
-    </a:accent5>
-    <a:accent6>
-      <a:srgbClr val="70AD47"/>
-    </a:accent6>
-    <a:hlink>
-      <a:srgbClr val="0563C1"/>
-    </a:hlink>
-    <a:folHlink>
-      <a:srgbClr val="954F72"/>
-    </a:folHlink>
-  </a:clrScheme>
-</a:themeOverride>
-</file>
-
-<file path=ppt/theme/themeOverride5.xml><?xml version="1.0" encoding="utf-8"?>
-<a:themeOverride xmlns:a="http://schemas.openxmlformats.org/drawingml/2006/main">
-  <a:clrScheme name="Office">
-    <a:dk1>
-      <a:sysClr val="windowText" lastClr="000000"/>
-    </a:dk1>
-    <a:lt1>
-      <a:sysClr val="window" lastClr="FFFFFF"/>
-    </a:lt1>
-    <a:dk2>
-      <a:srgbClr val="44546A"/>
-    </a:dk2>
-    <a:lt2>
-      <a:srgbClr val="E7E6E6"/>
-    </a:lt2>
-    <a:accent1>
-      <a:srgbClr val="5B9BD5"/>
-    </a:accent1>
-    <a:accent2>
-      <a:srgbClr val="ED7D31"/>
-    </a:accent2>
-    <a:accent3>
-      <a:srgbClr val="A5A5A5"/>
-    </a:accent3>
-    <a:accent4>
-      <a:srgbClr val="FFC000"/>
-    </a:accent4>
-    <a:accent5>
-      <a:srgbClr val="4472C4"/>
-    </a:accent5>
-    <a:accent6>
-      <a:srgbClr val="70AD47"/>
-    </a:accent6>
-    <a:hlink>
-      <a:srgbClr val="0563C1"/>
-    </a:hlink>
-    <a:folHlink>
-      <a:srgbClr val="954F72"/>
-    </a:folHlink>
-  </a:clrScheme>
-</a:themeOverride>
 </file>